--- a/write_up/other_figures/figure_creation.pptx
+++ b/write_up/other_figures/figure_creation.pptx
@@ -2,18 +2,19 @@
 <file path=ppt/presentation.xml><?xml version="1.0" encoding="utf-8"?>
 <p:presentation xmlns:a="http://schemas.openxmlformats.org/drawingml/2006/main" xmlns:r="http://schemas.openxmlformats.org/officeDocument/2006/relationships" xmlns:p="http://schemas.openxmlformats.org/presentationml/2006/main" saveSubsetFonts="1" autoCompressPictures="0">
   <p:sldMasterIdLst>
-    <p:sldMasterId id="2147483648" r:id="rId1"/>
+    <p:sldMasterId id="2147483660" r:id="rId1"/>
   </p:sldMasterIdLst>
   <p:sldIdLst>
     <p:sldId id="256" r:id="rId2"/>
+    <p:sldId id="257" r:id="rId3"/>
   </p:sldIdLst>
-  <p:sldSz cx="12192000" cy="6858000"/>
+  <p:sldSz cx="9906000" cy="6858000" type="A4"/>
   <p:notesSz cx="6858000" cy="9144000"/>
   <p:defaultTextStyle>
     <a:defPPr>
       <a:defRPr lang="en-US"/>
     </a:defPPr>
-    <a:lvl1pPr marL="0" algn="l" defTabSz="914400" rtl="0" eaLnBrk="1" latinLnBrk="0" hangingPunct="1">
+    <a:lvl1pPr marL="0" algn="l" defTabSz="457200" rtl="0" eaLnBrk="1" latinLnBrk="0" hangingPunct="1">
       <a:defRPr sz="1800" kern="1200">
         <a:solidFill>
           <a:schemeClr val="tx1"/>
@@ -23,7 +24,7 @@
         <a:cs typeface="+mn-cs"/>
       </a:defRPr>
     </a:lvl1pPr>
-    <a:lvl2pPr marL="457200" algn="l" defTabSz="914400" rtl="0" eaLnBrk="1" latinLnBrk="0" hangingPunct="1">
+    <a:lvl2pPr marL="457200" algn="l" defTabSz="457200" rtl="0" eaLnBrk="1" latinLnBrk="0" hangingPunct="1">
       <a:defRPr sz="1800" kern="1200">
         <a:solidFill>
           <a:schemeClr val="tx1"/>
@@ -33,7 +34,7 @@
         <a:cs typeface="+mn-cs"/>
       </a:defRPr>
     </a:lvl2pPr>
-    <a:lvl3pPr marL="914400" algn="l" defTabSz="914400" rtl="0" eaLnBrk="1" latinLnBrk="0" hangingPunct="1">
+    <a:lvl3pPr marL="914400" algn="l" defTabSz="457200" rtl="0" eaLnBrk="1" latinLnBrk="0" hangingPunct="1">
       <a:defRPr sz="1800" kern="1200">
         <a:solidFill>
           <a:schemeClr val="tx1"/>
@@ -43,7 +44,7 @@
         <a:cs typeface="+mn-cs"/>
       </a:defRPr>
     </a:lvl3pPr>
-    <a:lvl4pPr marL="1371600" algn="l" defTabSz="914400" rtl="0" eaLnBrk="1" latinLnBrk="0" hangingPunct="1">
+    <a:lvl4pPr marL="1371600" algn="l" defTabSz="457200" rtl="0" eaLnBrk="1" latinLnBrk="0" hangingPunct="1">
       <a:defRPr sz="1800" kern="1200">
         <a:solidFill>
           <a:schemeClr val="tx1"/>
@@ -53,7 +54,7 @@
         <a:cs typeface="+mn-cs"/>
       </a:defRPr>
     </a:lvl4pPr>
-    <a:lvl5pPr marL="1828800" algn="l" defTabSz="914400" rtl="0" eaLnBrk="1" latinLnBrk="0" hangingPunct="1">
+    <a:lvl5pPr marL="1828800" algn="l" defTabSz="457200" rtl="0" eaLnBrk="1" latinLnBrk="0" hangingPunct="1">
       <a:defRPr sz="1800" kern="1200">
         <a:solidFill>
           <a:schemeClr val="tx1"/>
@@ -63,7 +64,7 @@
         <a:cs typeface="+mn-cs"/>
       </a:defRPr>
     </a:lvl5pPr>
-    <a:lvl6pPr marL="2286000" algn="l" defTabSz="914400" rtl="0" eaLnBrk="1" latinLnBrk="0" hangingPunct="1">
+    <a:lvl6pPr marL="2286000" algn="l" defTabSz="457200" rtl="0" eaLnBrk="1" latinLnBrk="0" hangingPunct="1">
       <a:defRPr sz="1800" kern="1200">
         <a:solidFill>
           <a:schemeClr val="tx1"/>
@@ -73,7 +74,7 @@
         <a:cs typeface="+mn-cs"/>
       </a:defRPr>
     </a:lvl6pPr>
-    <a:lvl7pPr marL="2743200" algn="l" defTabSz="914400" rtl="0" eaLnBrk="1" latinLnBrk="0" hangingPunct="1">
+    <a:lvl7pPr marL="2743200" algn="l" defTabSz="457200" rtl="0" eaLnBrk="1" latinLnBrk="0" hangingPunct="1">
       <a:defRPr sz="1800" kern="1200">
         <a:solidFill>
           <a:schemeClr val="tx1"/>
@@ -83,7 +84,7 @@
         <a:cs typeface="+mn-cs"/>
       </a:defRPr>
     </a:lvl7pPr>
-    <a:lvl8pPr marL="3200400" algn="l" defTabSz="914400" rtl="0" eaLnBrk="1" latinLnBrk="0" hangingPunct="1">
+    <a:lvl8pPr marL="3200400" algn="l" defTabSz="457200" rtl="0" eaLnBrk="1" latinLnBrk="0" hangingPunct="1">
       <a:defRPr sz="1800" kern="1200">
         <a:solidFill>
           <a:schemeClr val="tx1"/>
@@ -93,7 +94,7 @@
         <a:cs typeface="+mn-cs"/>
       </a:defRPr>
     </a:lvl8pPr>
-    <a:lvl9pPr marL="3657600" algn="l" defTabSz="914400" rtl="0" eaLnBrk="1" latinLnBrk="0" hangingPunct="1">
+    <a:lvl9pPr marL="3657600" algn="l" defTabSz="457200" rtl="0" eaLnBrk="1" latinLnBrk="0" hangingPunct="1">
       <a:defRPr sz="1800" kern="1200">
         <a:solidFill>
           <a:schemeClr val="tx1"/>
@@ -104,6 +105,11 @@
       </a:defRPr>
     </a:lvl9pPr>
   </p:defaultTextStyle>
+  <p:extLst>
+    <p:ext uri="{EFAFB233-063F-42B5-8137-9DF3F51BA10A}">
+      <p15:sldGuideLst xmlns:p15="http://schemas.microsoft.com/office/powerpoint/2012/main"/>
+    </p:ext>
+  </p:extLst>
 </p:presentation>
 </file>
 
@@ -126,13 +132,7 @@
       </p:grpSpPr>
       <p:sp>
         <p:nvSpPr>
-          <p:cNvPr id="2" name="Title 1">
-            <a:extLst>
-              <a:ext uri="{FF2B5EF4-FFF2-40B4-BE49-F238E27FC236}">
-                <a16:creationId xmlns:a16="http://schemas.microsoft.com/office/drawing/2014/main" id="{8936BC72-E2D9-214C-A074-28217987238F}"/>
-              </a:ext>
-            </a:extLst>
-          </p:cNvPr>
+          <p:cNvPr id="2" name="Title 1"/>
           <p:cNvSpPr>
             <a:spLocks noGrp="1"/>
           </p:cNvSpPr>
@@ -142,8 +142,8 @@
         </p:nvSpPr>
         <p:spPr>
           <a:xfrm>
-            <a:off x="1524000" y="1122363"/>
-            <a:ext cx="9144000" cy="2387600"/>
+            <a:off x="742950" y="1122363"/>
+            <a:ext cx="8420100" cy="2387600"/>
           </a:xfrm>
         </p:spPr>
         <p:txBody>
@@ -158,19 +158,13 @@
               <a:rPr lang="en-US"/>
               <a:t>Click to edit Master title style</a:t>
             </a:r>
-            <a:endParaRPr lang="en-GB"/>
-          </a:p>
-        </p:txBody>
-      </p:sp>
-      <p:sp>
-        <p:nvSpPr>
-          <p:cNvPr id="3" name="Subtitle 2">
-            <a:extLst>
-              <a:ext uri="{FF2B5EF4-FFF2-40B4-BE49-F238E27FC236}">
-                <a16:creationId xmlns:a16="http://schemas.microsoft.com/office/drawing/2014/main" id="{F8593F35-C445-8A46-940A-6060D3C9D08C}"/>
-              </a:ext>
-            </a:extLst>
-          </p:cNvPr>
+            <a:endParaRPr lang="en-US" dirty="0"/>
+          </a:p>
+        </p:txBody>
+      </p:sp>
+      <p:sp>
+        <p:nvSpPr>
+          <p:cNvPr id="3" name="Subtitle 2"/>
           <p:cNvSpPr>
             <a:spLocks noGrp="1"/>
           </p:cNvSpPr>
@@ -180,8 +174,8 @@
         </p:nvSpPr>
         <p:spPr>
           <a:xfrm>
-            <a:off x="1524000" y="3602038"/>
-            <a:ext cx="9144000" cy="1655762"/>
+            <a:off x="1238250" y="3602038"/>
+            <a:ext cx="7429500" cy="1655762"/>
           </a:xfrm>
         </p:spPr>
         <p:txBody>
@@ -229,19 +223,13 @@
               <a:rPr lang="en-US"/>
               <a:t>Click to edit Master subtitle style</a:t>
             </a:r>
-            <a:endParaRPr lang="en-GB"/>
-          </a:p>
-        </p:txBody>
-      </p:sp>
-      <p:sp>
-        <p:nvSpPr>
-          <p:cNvPr id="4" name="Date Placeholder 3">
-            <a:extLst>
-              <a:ext uri="{FF2B5EF4-FFF2-40B4-BE49-F238E27FC236}">
-                <a16:creationId xmlns:a16="http://schemas.microsoft.com/office/drawing/2014/main" id="{58C16B6A-C8AE-C043-8403-50A6D0B56CCF}"/>
-              </a:ext>
-            </a:extLst>
-          </p:cNvPr>
+            <a:endParaRPr lang="en-US" dirty="0"/>
+          </a:p>
+        </p:txBody>
+      </p:sp>
+      <p:sp>
+        <p:nvSpPr>
+          <p:cNvPr id="4" name="Date Placeholder 3"/>
           <p:cNvSpPr>
             <a:spLocks noGrp="1"/>
           </p:cNvSpPr>
@@ -256,7 +244,7 @@
           <a:p>
             <a:fld id="{96051C5F-C14A-FF4D-B8DC-EE6A4E24CFE3}" type="datetimeFigureOut">
               <a:rPr lang="en-GB" smtClean="0"/>
-              <a:t>24/08/2019</a:t>
+              <a:t>27/08/2019</a:t>
             </a:fld>
             <a:endParaRPr lang="en-GB"/>
           </a:p>
@@ -264,13 +252,7 @@
       </p:sp>
       <p:sp>
         <p:nvSpPr>
-          <p:cNvPr id="5" name="Footer Placeholder 4">
-            <a:extLst>
-              <a:ext uri="{FF2B5EF4-FFF2-40B4-BE49-F238E27FC236}">
-                <a16:creationId xmlns:a16="http://schemas.microsoft.com/office/drawing/2014/main" id="{78CC6803-340A-C343-8592-A27CC5FF8E79}"/>
-              </a:ext>
-            </a:extLst>
-          </p:cNvPr>
+          <p:cNvPr id="5" name="Footer Placeholder 4"/>
           <p:cNvSpPr>
             <a:spLocks noGrp="1"/>
           </p:cNvSpPr>
@@ -289,13 +271,7 @@
       </p:sp>
       <p:sp>
         <p:nvSpPr>
-          <p:cNvPr id="6" name="Slide Number Placeholder 5">
-            <a:extLst>
-              <a:ext uri="{FF2B5EF4-FFF2-40B4-BE49-F238E27FC236}">
-                <a16:creationId xmlns:a16="http://schemas.microsoft.com/office/drawing/2014/main" id="{BC162D06-31D1-2C45-BA86-454F8C102E96}"/>
-              </a:ext>
-            </a:extLst>
-          </p:cNvPr>
+          <p:cNvPr id="6" name="Slide Number Placeholder 5"/>
           <p:cNvSpPr>
             <a:spLocks noGrp="1"/>
           </p:cNvSpPr>
@@ -319,7 +295,7 @@
     </p:spTree>
     <p:extLst>
       <p:ext uri="{BB962C8B-B14F-4D97-AF65-F5344CB8AC3E}">
-        <p14:creationId xmlns:p14="http://schemas.microsoft.com/office/powerpoint/2010/main" val="533915032"/>
+        <p14:creationId xmlns:p14="http://schemas.microsoft.com/office/powerpoint/2010/main" val="3887966655"/>
       </p:ext>
     </p:extLst>
   </p:cSld>
@@ -348,13 +324,7 @@
       </p:grpSpPr>
       <p:sp>
         <p:nvSpPr>
-          <p:cNvPr id="2" name="Title 1">
-            <a:extLst>
-              <a:ext uri="{FF2B5EF4-FFF2-40B4-BE49-F238E27FC236}">
-                <a16:creationId xmlns:a16="http://schemas.microsoft.com/office/drawing/2014/main" id="{2D50EFBA-A8FE-2D42-A262-2608BFDF85B2}"/>
-              </a:ext>
-            </a:extLst>
-          </p:cNvPr>
+          <p:cNvPr id="2" name="Title 1"/>
           <p:cNvSpPr>
             <a:spLocks noGrp="1"/>
           </p:cNvSpPr>
@@ -371,19 +341,13 @@
               <a:rPr lang="en-US"/>
               <a:t>Click to edit Master title style</a:t>
             </a:r>
-            <a:endParaRPr lang="en-GB"/>
-          </a:p>
-        </p:txBody>
-      </p:sp>
-      <p:sp>
-        <p:nvSpPr>
-          <p:cNvPr id="3" name="Vertical Text Placeholder 2">
-            <a:extLst>
-              <a:ext uri="{FF2B5EF4-FFF2-40B4-BE49-F238E27FC236}">
-                <a16:creationId xmlns:a16="http://schemas.microsoft.com/office/drawing/2014/main" id="{3B2840A0-7769-4D43-A555-50D7EDCF9BE2}"/>
-              </a:ext>
-            </a:extLst>
-          </p:cNvPr>
+            <a:endParaRPr lang="en-US" dirty="0"/>
+          </a:p>
+        </p:txBody>
+      </p:sp>
+      <p:sp>
+        <p:nvSpPr>
+          <p:cNvPr id="3" name="Vertical Text Placeholder 2"/>
           <p:cNvSpPr>
             <a:spLocks noGrp="1"/>
           </p:cNvSpPr>
@@ -429,19 +393,13 @@
               <a:rPr lang="en-US"/>
               <a:t>Fifth level</a:t>
             </a:r>
-            <a:endParaRPr lang="en-GB"/>
-          </a:p>
-        </p:txBody>
-      </p:sp>
-      <p:sp>
-        <p:nvSpPr>
-          <p:cNvPr id="4" name="Date Placeholder 3">
-            <a:extLst>
-              <a:ext uri="{FF2B5EF4-FFF2-40B4-BE49-F238E27FC236}">
-                <a16:creationId xmlns:a16="http://schemas.microsoft.com/office/drawing/2014/main" id="{7BC58B6F-B091-3A46-9EC2-F3C54053F8BD}"/>
-              </a:ext>
-            </a:extLst>
-          </p:cNvPr>
+            <a:endParaRPr lang="en-US" dirty="0"/>
+          </a:p>
+        </p:txBody>
+      </p:sp>
+      <p:sp>
+        <p:nvSpPr>
+          <p:cNvPr id="4" name="Date Placeholder 3"/>
           <p:cNvSpPr>
             <a:spLocks noGrp="1"/>
           </p:cNvSpPr>
@@ -456,7 +414,7 @@
           <a:p>
             <a:fld id="{96051C5F-C14A-FF4D-B8DC-EE6A4E24CFE3}" type="datetimeFigureOut">
               <a:rPr lang="en-GB" smtClean="0"/>
-              <a:t>24/08/2019</a:t>
+              <a:t>27/08/2019</a:t>
             </a:fld>
             <a:endParaRPr lang="en-GB"/>
           </a:p>
@@ -464,13 +422,7 @@
       </p:sp>
       <p:sp>
         <p:nvSpPr>
-          <p:cNvPr id="5" name="Footer Placeholder 4">
-            <a:extLst>
-              <a:ext uri="{FF2B5EF4-FFF2-40B4-BE49-F238E27FC236}">
-                <a16:creationId xmlns:a16="http://schemas.microsoft.com/office/drawing/2014/main" id="{48613865-77B5-0A4D-B261-7E31B0D60CF2}"/>
-              </a:ext>
-            </a:extLst>
-          </p:cNvPr>
+          <p:cNvPr id="5" name="Footer Placeholder 4"/>
           <p:cNvSpPr>
             <a:spLocks noGrp="1"/>
           </p:cNvSpPr>
@@ -489,13 +441,7 @@
       </p:sp>
       <p:sp>
         <p:nvSpPr>
-          <p:cNvPr id="6" name="Slide Number Placeholder 5">
-            <a:extLst>
-              <a:ext uri="{FF2B5EF4-FFF2-40B4-BE49-F238E27FC236}">
-                <a16:creationId xmlns:a16="http://schemas.microsoft.com/office/drawing/2014/main" id="{2EA64F40-04B7-CE4A-B934-E58964774C8C}"/>
-              </a:ext>
-            </a:extLst>
-          </p:cNvPr>
+          <p:cNvPr id="6" name="Slide Number Placeholder 5"/>
           <p:cNvSpPr>
             <a:spLocks noGrp="1"/>
           </p:cNvSpPr>
@@ -519,7 +465,7 @@
     </p:spTree>
     <p:extLst>
       <p:ext uri="{BB962C8B-B14F-4D97-AF65-F5344CB8AC3E}">
-        <p14:creationId xmlns:p14="http://schemas.microsoft.com/office/powerpoint/2010/main" val="4179245736"/>
+        <p14:creationId xmlns:p14="http://schemas.microsoft.com/office/powerpoint/2010/main" val="3063139635"/>
       </p:ext>
     </p:extLst>
   </p:cSld>
@@ -548,13 +494,7 @@
       </p:grpSpPr>
       <p:sp>
         <p:nvSpPr>
-          <p:cNvPr id="2" name="Vertical Title 1">
-            <a:extLst>
-              <a:ext uri="{FF2B5EF4-FFF2-40B4-BE49-F238E27FC236}">
-                <a16:creationId xmlns:a16="http://schemas.microsoft.com/office/drawing/2014/main" id="{9E5A2481-00BD-304E-B47D-5ACDF0A845C4}"/>
-              </a:ext>
-            </a:extLst>
-          </p:cNvPr>
+          <p:cNvPr id="2" name="Vertical Title 1"/>
           <p:cNvSpPr>
             <a:spLocks noGrp="1"/>
           </p:cNvSpPr>
@@ -564,8 +504,8 @@
         </p:nvSpPr>
         <p:spPr>
           <a:xfrm>
-            <a:off x="8724900" y="365125"/>
-            <a:ext cx="2628900" cy="5811838"/>
+            <a:off x="7088982" y="365125"/>
+            <a:ext cx="2135981" cy="5811838"/>
           </a:xfrm>
         </p:spPr>
         <p:txBody>
@@ -576,19 +516,13 @@
               <a:rPr lang="en-US"/>
               <a:t>Click to edit Master title style</a:t>
             </a:r>
-            <a:endParaRPr lang="en-GB"/>
-          </a:p>
-        </p:txBody>
-      </p:sp>
-      <p:sp>
-        <p:nvSpPr>
-          <p:cNvPr id="3" name="Vertical Text Placeholder 2">
-            <a:extLst>
-              <a:ext uri="{FF2B5EF4-FFF2-40B4-BE49-F238E27FC236}">
-                <a16:creationId xmlns:a16="http://schemas.microsoft.com/office/drawing/2014/main" id="{7D6B47CE-2F77-BE48-A176-954B8E71C89E}"/>
-              </a:ext>
-            </a:extLst>
-          </p:cNvPr>
+            <a:endParaRPr lang="en-US" dirty="0"/>
+          </a:p>
+        </p:txBody>
+      </p:sp>
+      <p:sp>
+        <p:nvSpPr>
+          <p:cNvPr id="3" name="Vertical Text Placeholder 2"/>
           <p:cNvSpPr>
             <a:spLocks noGrp="1"/>
           </p:cNvSpPr>
@@ -598,8 +532,8 @@
         </p:nvSpPr>
         <p:spPr>
           <a:xfrm>
-            <a:off x="838200" y="365125"/>
-            <a:ext cx="7734300" cy="5811838"/>
+            <a:off x="681038" y="365125"/>
+            <a:ext cx="6284119" cy="5811838"/>
           </a:xfrm>
         </p:spPr>
         <p:txBody>
@@ -639,19 +573,13 @@
               <a:rPr lang="en-US"/>
               <a:t>Fifth level</a:t>
             </a:r>
-            <a:endParaRPr lang="en-GB"/>
-          </a:p>
-        </p:txBody>
-      </p:sp>
-      <p:sp>
-        <p:nvSpPr>
-          <p:cNvPr id="4" name="Date Placeholder 3">
-            <a:extLst>
-              <a:ext uri="{FF2B5EF4-FFF2-40B4-BE49-F238E27FC236}">
-                <a16:creationId xmlns:a16="http://schemas.microsoft.com/office/drawing/2014/main" id="{3C74BD04-8BBE-0443-B386-FB020480A9C5}"/>
-              </a:ext>
-            </a:extLst>
-          </p:cNvPr>
+            <a:endParaRPr lang="en-US" dirty="0"/>
+          </a:p>
+        </p:txBody>
+      </p:sp>
+      <p:sp>
+        <p:nvSpPr>
+          <p:cNvPr id="4" name="Date Placeholder 3"/>
           <p:cNvSpPr>
             <a:spLocks noGrp="1"/>
           </p:cNvSpPr>
@@ -666,7 +594,7 @@
           <a:p>
             <a:fld id="{96051C5F-C14A-FF4D-B8DC-EE6A4E24CFE3}" type="datetimeFigureOut">
               <a:rPr lang="en-GB" smtClean="0"/>
-              <a:t>24/08/2019</a:t>
+              <a:t>27/08/2019</a:t>
             </a:fld>
             <a:endParaRPr lang="en-GB"/>
           </a:p>
@@ -674,13 +602,7 @@
       </p:sp>
       <p:sp>
         <p:nvSpPr>
-          <p:cNvPr id="5" name="Footer Placeholder 4">
-            <a:extLst>
-              <a:ext uri="{FF2B5EF4-FFF2-40B4-BE49-F238E27FC236}">
-                <a16:creationId xmlns:a16="http://schemas.microsoft.com/office/drawing/2014/main" id="{C0D90147-BBCB-7B4D-8347-21EF9EAB1358}"/>
-              </a:ext>
-            </a:extLst>
-          </p:cNvPr>
+          <p:cNvPr id="5" name="Footer Placeholder 4"/>
           <p:cNvSpPr>
             <a:spLocks noGrp="1"/>
           </p:cNvSpPr>
@@ -699,13 +621,7 @@
       </p:sp>
       <p:sp>
         <p:nvSpPr>
-          <p:cNvPr id="6" name="Slide Number Placeholder 5">
-            <a:extLst>
-              <a:ext uri="{FF2B5EF4-FFF2-40B4-BE49-F238E27FC236}">
-                <a16:creationId xmlns:a16="http://schemas.microsoft.com/office/drawing/2014/main" id="{9C24231B-5893-754B-B578-AE838DD01727}"/>
-              </a:ext>
-            </a:extLst>
-          </p:cNvPr>
+          <p:cNvPr id="6" name="Slide Number Placeholder 5"/>
           <p:cNvSpPr>
             <a:spLocks noGrp="1"/>
           </p:cNvSpPr>
@@ -729,7 +645,7 @@
     </p:spTree>
     <p:extLst>
       <p:ext uri="{BB962C8B-B14F-4D97-AF65-F5344CB8AC3E}">
-        <p14:creationId xmlns:p14="http://schemas.microsoft.com/office/powerpoint/2010/main" val="3849131054"/>
+        <p14:creationId xmlns:p14="http://schemas.microsoft.com/office/powerpoint/2010/main" val="8853691"/>
       </p:ext>
     </p:extLst>
   </p:cSld>
@@ -758,13 +674,7 @@
       </p:grpSpPr>
       <p:sp>
         <p:nvSpPr>
-          <p:cNvPr id="2" name="Title 1">
-            <a:extLst>
-              <a:ext uri="{FF2B5EF4-FFF2-40B4-BE49-F238E27FC236}">
-                <a16:creationId xmlns:a16="http://schemas.microsoft.com/office/drawing/2014/main" id="{A67769D8-0A23-DF48-B8FC-EBA0EBB19F15}"/>
-              </a:ext>
-            </a:extLst>
-          </p:cNvPr>
+          <p:cNvPr id="2" name="Title 1"/>
           <p:cNvSpPr>
             <a:spLocks noGrp="1"/>
           </p:cNvSpPr>
@@ -781,19 +691,13 @@
               <a:rPr lang="en-US"/>
               <a:t>Click to edit Master title style</a:t>
             </a:r>
-            <a:endParaRPr lang="en-GB"/>
-          </a:p>
-        </p:txBody>
-      </p:sp>
-      <p:sp>
-        <p:nvSpPr>
-          <p:cNvPr id="3" name="Content Placeholder 2">
-            <a:extLst>
-              <a:ext uri="{FF2B5EF4-FFF2-40B4-BE49-F238E27FC236}">
-                <a16:creationId xmlns:a16="http://schemas.microsoft.com/office/drawing/2014/main" id="{7525A613-A377-4B4C-AF28-3E2A1834C839}"/>
-              </a:ext>
-            </a:extLst>
-          </p:cNvPr>
+            <a:endParaRPr lang="en-US" dirty="0"/>
+          </a:p>
+        </p:txBody>
+      </p:sp>
+      <p:sp>
+        <p:nvSpPr>
+          <p:cNvPr id="3" name="Content Placeholder 2"/>
           <p:cNvSpPr>
             <a:spLocks noGrp="1"/>
           </p:cNvSpPr>
@@ -839,19 +743,13 @@
               <a:rPr lang="en-US"/>
               <a:t>Fifth level</a:t>
             </a:r>
-            <a:endParaRPr lang="en-GB"/>
-          </a:p>
-        </p:txBody>
-      </p:sp>
-      <p:sp>
-        <p:nvSpPr>
-          <p:cNvPr id="4" name="Date Placeholder 3">
-            <a:extLst>
-              <a:ext uri="{FF2B5EF4-FFF2-40B4-BE49-F238E27FC236}">
-                <a16:creationId xmlns:a16="http://schemas.microsoft.com/office/drawing/2014/main" id="{B969F20E-3A06-FD4A-B61F-336412C66C83}"/>
-              </a:ext>
-            </a:extLst>
-          </p:cNvPr>
+            <a:endParaRPr lang="en-US" dirty="0"/>
+          </a:p>
+        </p:txBody>
+      </p:sp>
+      <p:sp>
+        <p:nvSpPr>
+          <p:cNvPr id="4" name="Date Placeholder 3"/>
           <p:cNvSpPr>
             <a:spLocks noGrp="1"/>
           </p:cNvSpPr>
@@ -866,7 +764,7 @@
           <a:p>
             <a:fld id="{96051C5F-C14A-FF4D-B8DC-EE6A4E24CFE3}" type="datetimeFigureOut">
               <a:rPr lang="en-GB" smtClean="0"/>
-              <a:t>24/08/2019</a:t>
+              <a:t>27/08/2019</a:t>
             </a:fld>
             <a:endParaRPr lang="en-GB"/>
           </a:p>
@@ -874,13 +772,7 @@
       </p:sp>
       <p:sp>
         <p:nvSpPr>
-          <p:cNvPr id="5" name="Footer Placeholder 4">
-            <a:extLst>
-              <a:ext uri="{FF2B5EF4-FFF2-40B4-BE49-F238E27FC236}">
-                <a16:creationId xmlns:a16="http://schemas.microsoft.com/office/drawing/2014/main" id="{266A2102-178C-3E44-A50F-2AAAB037C87B}"/>
-              </a:ext>
-            </a:extLst>
-          </p:cNvPr>
+          <p:cNvPr id="5" name="Footer Placeholder 4"/>
           <p:cNvSpPr>
             <a:spLocks noGrp="1"/>
           </p:cNvSpPr>
@@ -899,13 +791,7 @@
       </p:sp>
       <p:sp>
         <p:nvSpPr>
-          <p:cNvPr id="6" name="Slide Number Placeholder 5">
-            <a:extLst>
-              <a:ext uri="{FF2B5EF4-FFF2-40B4-BE49-F238E27FC236}">
-                <a16:creationId xmlns:a16="http://schemas.microsoft.com/office/drawing/2014/main" id="{A31125BD-9B9F-1C49-B079-D8DBE0F9425E}"/>
-              </a:ext>
-            </a:extLst>
-          </p:cNvPr>
+          <p:cNvPr id="6" name="Slide Number Placeholder 5"/>
           <p:cNvSpPr>
             <a:spLocks noGrp="1"/>
           </p:cNvSpPr>
@@ -929,7 +815,7 @@
     </p:spTree>
     <p:extLst>
       <p:ext uri="{BB962C8B-B14F-4D97-AF65-F5344CB8AC3E}">
-        <p14:creationId xmlns:p14="http://schemas.microsoft.com/office/powerpoint/2010/main" val="1781222365"/>
+        <p14:creationId xmlns:p14="http://schemas.microsoft.com/office/powerpoint/2010/main" val="1001404631"/>
       </p:ext>
     </p:extLst>
   </p:cSld>
@@ -958,13 +844,7 @@
       </p:grpSpPr>
       <p:sp>
         <p:nvSpPr>
-          <p:cNvPr id="2" name="Title 1">
-            <a:extLst>
-              <a:ext uri="{FF2B5EF4-FFF2-40B4-BE49-F238E27FC236}">
-                <a16:creationId xmlns:a16="http://schemas.microsoft.com/office/drawing/2014/main" id="{65BCBF92-3E08-E24E-AA59-6D13822BD00E}"/>
-              </a:ext>
-            </a:extLst>
-          </p:cNvPr>
+          <p:cNvPr id="2" name="Title 1"/>
           <p:cNvSpPr>
             <a:spLocks noGrp="1"/>
           </p:cNvSpPr>
@@ -974,8 +854,8 @@
         </p:nvSpPr>
         <p:spPr>
           <a:xfrm>
-            <a:off x="831850" y="1709738"/>
-            <a:ext cx="10515600" cy="2852737"/>
+            <a:off x="675879" y="1709740"/>
+            <a:ext cx="8543925" cy="2852737"/>
           </a:xfrm>
         </p:spPr>
         <p:txBody>
@@ -990,19 +870,13 @@
               <a:rPr lang="en-US"/>
               <a:t>Click to edit Master title style</a:t>
             </a:r>
-            <a:endParaRPr lang="en-GB"/>
-          </a:p>
-        </p:txBody>
-      </p:sp>
-      <p:sp>
-        <p:nvSpPr>
-          <p:cNvPr id="3" name="Text Placeholder 2">
-            <a:extLst>
-              <a:ext uri="{FF2B5EF4-FFF2-40B4-BE49-F238E27FC236}">
-                <a16:creationId xmlns:a16="http://schemas.microsoft.com/office/drawing/2014/main" id="{B4FFE6C2-F96C-3447-ABA5-F9ADD8351DCA}"/>
-              </a:ext>
-            </a:extLst>
-          </p:cNvPr>
+            <a:endParaRPr lang="en-US" dirty="0"/>
+          </a:p>
+        </p:txBody>
+      </p:sp>
+      <p:sp>
+        <p:nvSpPr>
+          <p:cNvPr id="3" name="Text Placeholder 2"/>
           <p:cNvSpPr>
             <a:spLocks noGrp="1"/>
           </p:cNvSpPr>
@@ -1012,8 +886,8 @@
         </p:nvSpPr>
         <p:spPr>
           <a:xfrm>
-            <a:off x="831850" y="4589463"/>
-            <a:ext cx="10515600" cy="1500187"/>
+            <a:off x="675879" y="4589465"/>
+            <a:ext cx="8543925" cy="1500187"/>
           </a:xfrm>
         </p:spPr>
         <p:txBody>
@@ -1023,9 +897,7 @@
               <a:buNone/>
               <a:defRPr sz="2400">
                 <a:solidFill>
-                  <a:schemeClr val="tx1">
-                    <a:tint val="75000"/>
-                  </a:schemeClr>
+                  <a:schemeClr val="tx1"/>
                 </a:solidFill>
               </a:defRPr>
             </a:lvl1pPr>
@@ -1121,13 +993,7 @@
       </p:sp>
       <p:sp>
         <p:nvSpPr>
-          <p:cNvPr id="4" name="Date Placeholder 3">
-            <a:extLst>
-              <a:ext uri="{FF2B5EF4-FFF2-40B4-BE49-F238E27FC236}">
-                <a16:creationId xmlns:a16="http://schemas.microsoft.com/office/drawing/2014/main" id="{3FAF96FF-D830-EE43-8C20-7E5B14B2F29D}"/>
-              </a:ext>
-            </a:extLst>
-          </p:cNvPr>
+          <p:cNvPr id="4" name="Date Placeholder 3"/>
           <p:cNvSpPr>
             <a:spLocks noGrp="1"/>
           </p:cNvSpPr>
@@ -1142,7 +1008,7 @@
           <a:p>
             <a:fld id="{96051C5F-C14A-FF4D-B8DC-EE6A4E24CFE3}" type="datetimeFigureOut">
               <a:rPr lang="en-GB" smtClean="0"/>
-              <a:t>24/08/2019</a:t>
+              <a:t>27/08/2019</a:t>
             </a:fld>
             <a:endParaRPr lang="en-GB"/>
           </a:p>
@@ -1150,13 +1016,7 @@
       </p:sp>
       <p:sp>
         <p:nvSpPr>
-          <p:cNvPr id="5" name="Footer Placeholder 4">
-            <a:extLst>
-              <a:ext uri="{FF2B5EF4-FFF2-40B4-BE49-F238E27FC236}">
-                <a16:creationId xmlns:a16="http://schemas.microsoft.com/office/drawing/2014/main" id="{DA6A85E3-0B9E-D248-B9FA-BD497EF44B9E}"/>
-              </a:ext>
-            </a:extLst>
-          </p:cNvPr>
+          <p:cNvPr id="5" name="Footer Placeholder 4"/>
           <p:cNvSpPr>
             <a:spLocks noGrp="1"/>
           </p:cNvSpPr>
@@ -1175,13 +1035,7 @@
       </p:sp>
       <p:sp>
         <p:nvSpPr>
-          <p:cNvPr id="6" name="Slide Number Placeholder 5">
-            <a:extLst>
-              <a:ext uri="{FF2B5EF4-FFF2-40B4-BE49-F238E27FC236}">
-                <a16:creationId xmlns:a16="http://schemas.microsoft.com/office/drawing/2014/main" id="{5AD7A28A-2F81-3B46-B1C9-E7559FCA0097}"/>
-              </a:ext>
-            </a:extLst>
-          </p:cNvPr>
+          <p:cNvPr id="6" name="Slide Number Placeholder 5"/>
           <p:cNvSpPr>
             <a:spLocks noGrp="1"/>
           </p:cNvSpPr>
@@ -1205,7 +1059,7 @@
     </p:spTree>
     <p:extLst>
       <p:ext uri="{BB962C8B-B14F-4D97-AF65-F5344CB8AC3E}">
-        <p14:creationId xmlns:p14="http://schemas.microsoft.com/office/powerpoint/2010/main" val="3070571394"/>
+        <p14:creationId xmlns:p14="http://schemas.microsoft.com/office/powerpoint/2010/main" val="2176737890"/>
       </p:ext>
     </p:extLst>
   </p:cSld>
@@ -1234,13 +1088,7 @@
       </p:grpSpPr>
       <p:sp>
         <p:nvSpPr>
-          <p:cNvPr id="2" name="Title 1">
-            <a:extLst>
-              <a:ext uri="{FF2B5EF4-FFF2-40B4-BE49-F238E27FC236}">
-                <a16:creationId xmlns:a16="http://schemas.microsoft.com/office/drawing/2014/main" id="{B00EBE1B-4E01-7441-9E4B-969E1A1AE822}"/>
-              </a:ext>
-            </a:extLst>
-          </p:cNvPr>
+          <p:cNvPr id="2" name="Title 1"/>
           <p:cNvSpPr>
             <a:spLocks noGrp="1"/>
           </p:cNvSpPr>
@@ -1257,19 +1105,13 @@
               <a:rPr lang="en-US"/>
               <a:t>Click to edit Master title style</a:t>
             </a:r>
-            <a:endParaRPr lang="en-GB"/>
-          </a:p>
-        </p:txBody>
-      </p:sp>
-      <p:sp>
-        <p:nvSpPr>
-          <p:cNvPr id="3" name="Content Placeholder 2">
-            <a:extLst>
-              <a:ext uri="{FF2B5EF4-FFF2-40B4-BE49-F238E27FC236}">
-                <a16:creationId xmlns:a16="http://schemas.microsoft.com/office/drawing/2014/main" id="{1A3A3237-4E8E-0240-B657-66DCAB6252CD}"/>
-              </a:ext>
-            </a:extLst>
-          </p:cNvPr>
+            <a:endParaRPr lang="en-US" dirty="0"/>
+          </a:p>
+        </p:txBody>
+      </p:sp>
+      <p:sp>
+        <p:nvSpPr>
+          <p:cNvPr id="3" name="Content Placeholder 2"/>
           <p:cNvSpPr>
             <a:spLocks noGrp="1"/>
           </p:cNvSpPr>
@@ -1279,8 +1121,8 @@
         </p:nvSpPr>
         <p:spPr>
           <a:xfrm>
-            <a:off x="838200" y="1825625"/>
-            <a:ext cx="5181600" cy="4351338"/>
+            <a:off x="681038" y="1825625"/>
+            <a:ext cx="4210050" cy="4351338"/>
           </a:xfrm>
         </p:spPr>
         <p:txBody>
@@ -1320,19 +1162,13 @@
               <a:rPr lang="en-US"/>
               <a:t>Fifth level</a:t>
             </a:r>
-            <a:endParaRPr lang="en-GB"/>
-          </a:p>
-        </p:txBody>
-      </p:sp>
-      <p:sp>
-        <p:nvSpPr>
-          <p:cNvPr id="4" name="Content Placeholder 3">
-            <a:extLst>
-              <a:ext uri="{FF2B5EF4-FFF2-40B4-BE49-F238E27FC236}">
-                <a16:creationId xmlns:a16="http://schemas.microsoft.com/office/drawing/2014/main" id="{2B74C721-1351-5A44-A444-163CB4EF22B9}"/>
-              </a:ext>
-            </a:extLst>
-          </p:cNvPr>
+            <a:endParaRPr lang="en-US" dirty="0"/>
+          </a:p>
+        </p:txBody>
+      </p:sp>
+      <p:sp>
+        <p:nvSpPr>
+          <p:cNvPr id="4" name="Content Placeholder 3"/>
           <p:cNvSpPr>
             <a:spLocks noGrp="1"/>
           </p:cNvSpPr>
@@ -1342,8 +1178,8 @@
         </p:nvSpPr>
         <p:spPr>
           <a:xfrm>
-            <a:off x="6172200" y="1825625"/>
-            <a:ext cx="5181600" cy="4351338"/>
+            <a:off x="5014913" y="1825625"/>
+            <a:ext cx="4210050" cy="4351338"/>
           </a:xfrm>
         </p:spPr>
         <p:txBody>
@@ -1383,19 +1219,13 @@
               <a:rPr lang="en-US"/>
               <a:t>Fifth level</a:t>
             </a:r>
-            <a:endParaRPr lang="en-GB"/>
-          </a:p>
-        </p:txBody>
-      </p:sp>
-      <p:sp>
-        <p:nvSpPr>
-          <p:cNvPr id="5" name="Date Placeholder 4">
-            <a:extLst>
-              <a:ext uri="{FF2B5EF4-FFF2-40B4-BE49-F238E27FC236}">
-                <a16:creationId xmlns:a16="http://schemas.microsoft.com/office/drawing/2014/main" id="{4A300F83-3504-6A44-94BD-E36797CCCD94}"/>
-              </a:ext>
-            </a:extLst>
-          </p:cNvPr>
+            <a:endParaRPr lang="en-US" dirty="0"/>
+          </a:p>
+        </p:txBody>
+      </p:sp>
+      <p:sp>
+        <p:nvSpPr>
+          <p:cNvPr id="5" name="Date Placeholder 4"/>
           <p:cNvSpPr>
             <a:spLocks noGrp="1"/>
           </p:cNvSpPr>
@@ -1410,7 +1240,7 @@
           <a:p>
             <a:fld id="{96051C5F-C14A-FF4D-B8DC-EE6A4E24CFE3}" type="datetimeFigureOut">
               <a:rPr lang="en-GB" smtClean="0"/>
-              <a:t>24/08/2019</a:t>
+              <a:t>27/08/2019</a:t>
             </a:fld>
             <a:endParaRPr lang="en-GB"/>
           </a:p>
@@ -1418,13 +1248,7 @@
       </p:sp>
       <p:sp>
         <p:nvSpPr>
-          <p:cNvPr id="6" name="Footer Placeholder 5">
-            <a:extLst>
-              <a:ext uri="{FF2B5EF4-FFF2-40B4-BE49-F238E27FC236}">
-                <a16:creationId xmlns:a16="http://schemas.microsoft.com/office/drawing/2014/main" id="{446B5944-8753-DF4B-857C-A048203AFD86}"/>
-              </a:ext>
-            </a:extLst>
-          </p:cNvPr>
+          <p:cNvPr id="6" name="Footer Placeholder 5"/>
           <p:cNvSpPr>
             <a:spLocks noGrp="1"/>
           </p:cNvSpPr>
@@ -1443,13 +1267,7 @@
       </p:sp>
       <p:sp>
         <p:nvSpPr>
-          <p:cNvPr id="7" name="Slide Number Placeholder 6">
-            <a:extLst>
-              <a:ext uri="{FF2B5EF4-FFF2-40B4-BE49-F238E27FC236}">
-                <a16:creationId xmlns:a16="http://schemas.microsoft.com/office/drawing/2014/main" id="{FC6B989D-457F-A249-8055-6C3233492675}"/>
-              </a:ext>
-            </a:extLst>
-          </p:cNvPr>
+          <p:cNvPr id="7" name="Slide Number Placeholder 6"/>
           <p:cNvSpPr>
             <a:spLocks noGrp="1"/>
           </p:cNvSpPr>
@@ -1473,7 +1291,7 @@
     </p:spTree>
     <p:extLst>
       <p:ext uri="{BB962C8B-B14F-4D97-AF65-F5344CB8AC3E}">
-        <p14:creationId xmlns:p14="http://schemas.microsoft.com/office/powerpoint/2010/main" val="118023126"/>
+        <p14:creationId xmlns:p14="http://schemas.microsoft.com/office/powerpoint/2010/main" val="3096480684"/>
       </p:ext>
     </p:extLst>
   </p:cSld>
@@ -1502,13 +1320,7 @@
       </p:grpSpPr>
       <p:sp>
         <p:nvSpPr>
-          <p:cNvPr id="2" name="Title 1">
-            <a:extLst>
-              <a:ext uri="{FF2B5EF4-FFF2-40B4-BE49-F238E27FC236}">
-                <a16:creationId xmlns:a16="http://schemas.microsoft.com/office/drawing/2014/main" id="{79E28B13-C31D-CC4E-A444-F670EAB0FC57}"/>
-              </a:ext>
-            </a:extLst>
-          </p:cNvPr>
+          <p:cNvPr id="2" name="Title 1"/>
           <p:cNvSpPr>
             <a:spLocks noGrp="1"/>
           </p:cNvSpPr>
@@ -1518,8 +1330,8 @@
         </p:nvSpPr>
         <p:spPr>
           <a:xfrm>
-            <a:off x="839788" y="365125"/>
-            <a:ext cx="10515600" cy="1325563"/>
+            <a:off x="682328" y="365127"/>
+            <a:ext cx="8543925" cy="1325563"/>
           </a:xfrm>
         </p:spPr>
         <p:txBody>
@@ -1530,19 +1342,13 @@
               <a:rPr lang="en-US"/>
               <a:t>Click to edit Master title style</a:t>
             </a:r>
-            <a:endParaRPr lang="en-GB"/>
-          </a:p>
-        </p:txBody>
-      </p:sp>
-      <p:sp>
-        <p:nvSpPr>
-          <p:cNvPr id="3" name="Text Placeholder 2">
-            <a:extLst>
-              <a:ext uri="{FF2B5EF4-FFF2-40B4-BE49-F238E27FC236}">
-                <a16:creationId xmlns:a16="http://schemas.microsoft.com/office/drawing/2014/main" id="{788CE49A-FA7E-A14C-BF92-37B4275CCE09}"/>
-              </a:ext>
-            </a:extLst>
-          </p:cNvPr>
+            <a:endParaRPr lang="en-US" dirty="0"/>
+          </a:p>
+        </p:txBody>
+      </p:sp>
+      <p:sp>
+        <p:nvSpPr>
+          <p:cNvPr id="3" name="Text Placeholder 2"/>
           <p:cNvSpPr>
             <a:spLocks noGrp="1"/>
           </p:cNvSpPr>
@@ -1552,8 +1358,8 @@
         </p:nvSpPr>
         <p:spPr>
           <a:xfrm>
-            <a:off x="839788" y="1681163"/>
-            <a:ext cx="5157787" cy="823912"/>
+            <a:off x="682329" y="1681163"/>
+            <a:ext cx="4190702" cy="823912"/>
           </a:xfrm>
         </p:spPr>
         <p:txBody>
@@ -1607,13 +1413,7 @@
       </p:sp>
       <p:sp>
         <p:nvSpPr>
-          <p:cNvPr id="4" name="Content Placeholder 3">
-            <a:extLst>
-              <a:ext uri="{FF2B5EF4-FFF2-40B4-BE49-F238E27FC236}">
-                <a16:creationId xmlns:a16="http://schemas.microsoft.com/office/drawing/2014/main" id="{6A61FE72-9FFA-0B49-BDB0-7CA3C0D8DF83}"/>
-              </a:ext>
-            </a:extLst>
-          </p:cNvPr>
+          <p:cNvPr id="4" name="Content Placeholder 3"/>
           <p:cNvSpPr>
             <a:spLocks noGrp="1"/>
           </p:cNvSpPr>
@@ -1623,8 +1423,8 @@
         </p:nvSpPr>
         <p:spPr>
           <a:xfrm>
-            <a:off x="839788" y="2505075"/>
-            <a:ext cx="5157787" cy="3684588"/>
+            <a:off x="682329" y="2505075"/>
+            <a:ext cx="4190702" cy="3684588"/>
           </a:xfrm>
         </p:spPr>
         <p:txBody>
@@ -1664,19 +1464,13 @@
               <a:rPr lang="en-US"/>
               <a:t>Fifth level</a:t>
             </a:r>
-            <a:endParaRPr lang="en-GB"/>
-          </a:p>
-        </p:txBody>
-      </p:sp>
-      <p:sp>
-        <p:nvSpPr>
-          <p:cNvPr id="5" name="Text Placeholder 4">
-            <a:extLst>
-              <a:ext uri="{FF2B5EF4-FFF2-40B4-BE49-F238E27FC236}">
-                <a16:creationId xmlns:a16="http://schemas.microsoft.com/office/drawing/2014/main" id="{2C0741AD-69B3-EF4D-86EB-D2F85591A55A}"/>
-              </a:ext>
-            </a:extLst>
-          </p:cNvPr>
+            <a:endParaRPr lang="en-US" dirty="0"/>
+          </a:p>
+        </p:txBody>
+      </p:sp>
+      <p:sp>
+        <p:nvSpPr>
+          <p:cNvPr id="5" name="Text Placeholder 4"/>
           <p:cNvSpPr>
             <a:spLocks noGrp="1"/>
           </p:cNvSpPr>
@@ -1686,8 +1480,8 @@
         </p:nvSpPr>
         <p:spPr>
           <a:xfrm>
-            <a:off x="6172200" y="1681163"/>
-            <a:ext cx="5183188" cy="823912"/>
+            <a:off x="5014913" y="1681163"/>
+            <a:ext cx="4211340" cy="823912"/>
           </a:xfrm>
         </p:spPr>
         <p:txBody>
@@ -1741,13 +1535,7 @@
       </p:sp>
       <p:sp>
         <p:nvSpPr>
-          <p:cNvPr id="6" name="Content Placeholder 5">
-            <a:extLst>
-              <a:ext uri="{FF2B5EF4-FFF2-40B4-BE49-F238E27FC236}">
-                <a16:creationId xmlns:a16="http://schemas.microsoft.com/office/drawing/2014/main" id="{F3271A0A-1F74-0848-8751-AD912FAFC18A}"/>
-              </a:ext>
-            </a:extLst>
-          </p:cNvPr>
+          <p:cNvPr id="6" name="Content Placeholder 5"/>
           <p:cNvSpPr>
             <a:spLocks noGrp="1"/>
           </p:cNvSpPr>
@@ -1757,8 +1545,8 @@
         </p:nvSpPr>
         <p:spPr>
           <a:xfrm>
-            <a:off x="6172200" y="2505075"/>
-            <a:ext cx="5183188" cy="3684588"/>
+            <a:off x="5014913" y="2505075"/>
+            <a:ext cx="4211340" cy="3684588"/>
           </a:xfrm>
         </p:spPr>
         <p:txBody>
@@ -1798,19 +1586,13 @@
               <a:rPr lang="en-US"/>
               <a:t>Fifth level</a:t>
             </a:r>
-            <a:endParaRPr lang="en-GB"/>
-          </a:p>
-        </p:txBody>
-      </p:sp>
-      <p:sp>
-        <p:nvSpPr>
-          <p:cNvPr id="7" name="Date Placeholder 6">
-            <a:extLst>
-              <a:ext uri="{FF2B5EF4-FFF2-40B4-BE49-F238E27FC236}">
-                <a16:creationId xmlns:a16="http://schemas.microsoft.com/office/drawing/2014/main" id="{D82C1FB0-BD66-734B-AD9C-F67F486C09EA}"/>
-              </a:ext>
-            </a:extLst>
-          </p:cNvPr>
+            <a:endParaRPr lang="en-US" dirty="0"/>
+          </a:p>
+        </p:txBody>
+      </p:sp>
+      <p:sp>
+        <p:nvSpPr>
+          <p:cNvPr id="7" name="Date Placeholder 6"/>
           <p:cNvSpPr>
             <a:spLocks noGrp="1"/>
           </p:cNvSpPr>
@@ -1825,7 +1607,7 @@
           <a:p>
             <a:fld id="{96051C5F-C14A-FF4D-B8DC-EE6A4E24CFE3}" type="datetimeFigureOut">
               <a:rPr lang="en-GB" smtClean="0"/>
-              <a:t>24/08/2019</a:t>
+              <a:t>27/08/2019</a:t>
             </a:fld>
             <a:endParaRPr lang="en-GB"/>
           </a:p>
@@ -1833,13 +1615,7 @@
       </p:sp>
       <p:sp>
         <p:nvSpPr>
-          <p:cNvPr id="8" name="Footer Placeholder 7">
-            <a:extLst>
-              <a:ext uri="{FF2B5EF4-FFF2-40B4-BE49-F238E27FC236}">
-                <a16:creationId xmlns:a16="http://schemas.microsoft.com/office/drawing/2014/main" id="{8245ED47-B94C-1E48-8DBF-D66A78E7C036}"/>
-              </a:ext>
-            </a:extLst>
-          </p:cNvPr>
+          <p:cNvPr id="8" name="Footer Placeholder 7"/>
           <p:cNvSpPr>
             <a:spLocks noGrp="1"/>
           </p:cNvSpPr>
@@ -1858,13 +1634,7 @@
       </p:sp>
       <p:sp>
         <p:nvSpPr>
-          <p:cNvPr id="9" name="Slide Number Placeholder 8">
-            <a:extLst>
-              <a:ext uri="{FF2B5EF4-FFF2-40B4-BE49-F238E27FC236}">
-                <a16:creationId xmlns:a16="http://schemas.microsoft.com/office/drawing/2014/main" id="{63405E19-215B-824C-B36A-AC6388735DBE}"/>
-              </a:ext>
-            </a:extLst>
-          </p:cNvPr>
+          <p:cNvPr id="9" name="Slide Number Placeholder 8"/>
           <p:cNvSpPr>
             <a:spLocks noGrp="1"/>
           </p:cNvSpPr>
@@ -1888,7 +1658,7 @@
     </p:spTree>
     <p:extLst>
       <p:ext uri="{BB962C8B-B14F-4D97-AF65-F5344CB8AC3E}">
-        <p14:creationId xmlns:p14="http://schemas.microsoft.com/office/powerpoint/2010/main" val="486756304"/>
+        <p14:creationId xmlns:p14="http://schemas.microsoft.com/office/powerpoint/2010/main" val="2166066060"/>
       </p:ext>
     </p:extLst>
   </p:cSld>
@@ -1917,13 +1687,7 @@
       </p:grpSpPr>
       <p:sp>
         <p:nvSpPr>
-          <p:cNvPr id="2" name="Title 1">
-            <a:extLst>
-              <a:ext uri="{FF2B5EF4-FFF2-40B4-BE49-F238E27FC236}">
-                <a16:creationId xmlns:a16="http://schemas.microsoft.com/office/drawing/2014/main" id="{E977B318-F0E2-4D4C-8674-2358970843BC}"/>
-              </a:ext>
-            </a:extLst>
-          </p:cNvPr>
+          <p:cNvPr id="2" name="Title 1"/>
           <p:cNvSpPr>
             <a:spLocks noGrp="1"/>
           </p:cNvSpPr>
@@ -1940,19 +1704,13 @@
               <a:rPr lang="en-US"/>
               <a:t>Click to edit Master title style</a:t>
             </a:r>
-            <a:endParaRPr lang="en-GB"/>
-          </a:p>
-        </p:txBody>
-      </p:sp>
-      <p:sp>
-        <p:nvSpPr>
-          <p:cNvPr id="3" name="Date Placeholder 2">
-            <a:extLst>
-              <a:ext uri="{FF2B5EF4-FFF2-40B4-BE49-F238E27FC236}">
-                <a16:creationId xmlns:a16="http://schemas.microsoft.com/office/drawing/2014/main" id="{44C421F0-0EBA-954C-8844-EF30369AB5BA}"/>
-              </a:ext>
-            </a:extLst>
-          </p:cNvPr>
+            <a:endParaRPr lang="en-US" dirty="0"/>
+          </a:p>
+        </p:txBody>
+      </p:sp>
+      <p:sp>
+        <p:nvSpPr>
+          <p:cNvPr id="3" name="Date Placeholder 2"/>
           <p:cNvSpPr>
             <a:spLocks noGrp="1"/>
           </p:cNvSpPr>
@@ -1967,7 +1725,7 @@
           <a:p>
             <a:fld id="{96051C5F-C14A-FF4D-B8DC-EE6A4E24CFE3}" type="datetimeFigureOut">
               <a:rPr lang="en-GB" smtClean="0"/>
-              <a:t>24/08/2019</a:t>
+              <a:t>27/08/2019</a:t>
             </a:fld>
             <a:endParaRPr lang="en-GB"/>
           </a:p>
@@ -1975,13 +1733,7 @@
       </p:sp>
       <p:sp>
         <p:nvSpPr>
-          <p:cNvPr id="4" name="Footer Placeholder 3">
-            <a:extLst>
-              <a:ext uri="{FF2B5EF4-FFF2-40B4-BE49-F238E27FC236}">
-                <a16:creationId xmlns:a16="http://schemas.microsoft.com/office/drawing/2014/main" id="{4C257E61-C63B-A44D-AB64-C8E27336895F}"/>
-              </a:ext>
-            </a:extLst>
-          </p:cNvPr>
+          <p:cNvPr id="4" name="Footer Placeholder 3"/>
           <p:cNvSpPr>
             <a:spLocks noGrp="1"/>
           </p:cNvSpPr>
@@ -2000,13 +1752,7 @@
       </p:sp>
       <p:sp>
         <p:nvSpPr>
-          <p:cNvPr id="5" name="Slide Number Placeholder 4">
-            <a:extLst>
-              <a:ext uri="{FF2B5EF4-FFF2-40B4-BE49-F238E27FC236}">
-                <a16:creationId xmlns:a16="http://schemas.microsoft.com/office/drawing/2014/main" id="{70307CB9-72AA-A640-AB3D-578C7EB0FAEC}"/>
-              </a:ext>
-            </a:extLst>
-          </p:cNvPr>
+          <p:cNvPr id="5" name="Slide Number Placeholder 4"/>
           <p:cNvSpPr>
             <a:spLocks noGrp="1"/>
           </p:cNvSpPr>
@@ -2030,7 +1776,7 @@
     </p:spTree>
     <p:extLst>
       <p:ext uri="{BB962C8B-B14F-4D97-AF65-F5344CB8AC3E}">
-        <p14:creationId xmlns:p14="http://schemas.microsoft.com/office/powerpoint/2010/main" val="685724680"/>
+        <p14:creationId xmlns:p14="http://schemas.microsoft.com/office/powerpoint/2010/main" val="1488240750"/>
       </p:ext>
     </p:extLst>
   </p:cSld>
@@ -2059,13 +1805,7 @@
       </p:grpSpPr>
       <p:sp>
         <p:nvSpPr>
-          <p:cNvPr id="2" name="Date Placeholder 1">
-            <a:extLst>
-              <a:ext uri="{FF2B5EF4-FFF2-40B4-BE49-F238E27FC236}">
-                <a16:creationId xmlns:a16="http://schemas.microsoft.com/office/drawing/2014/main" id="{B45312CF-33FA-2349-B5F5-EC111D89E14A}"/>
-              </a:ext>
-            </a:extLst>
-          </p:cNvPr>
+          <p:cNvPr id="2" name="Date Placeholder 1"/>
           <p:cNvSpPr>
             <a:spLocks noGrp="1"/>
           </p:cNvSpPr>
@@ -2080,7 +1820,7 @@
           <a:p>
             <a:fld id="{96051C5F-C14A-FF4D-B8DC-EE6A4E24CFE3}" type="datetimeFigureOut">
               <a:rPr lang="en-GB" smtClean="0"/>
-              <a:t>24/08/2019</a:t>
+              <a:t>27/08/2019</a:t>
             </a:fld>
             <a:endParaRPr lang="en-GB"/>
           </a:p>
@@ -2088,13 +1828,7 @@
       </p:sp>
       <p:sp>
         <p:nvSpPr>
-          <p:cNvPr id="3" name="Footer Placeholder 2">
-            <a:extLst>
-              <a:ext uri="{FF2B5EF4-FFF2-40B4-BE49-F238E27FC236}">
-                <a16:creationId xmlns:a16="http://schemas.microsoft.com/office/drawing/2014/main" id="{57B143B0-5819-5F46-B730-8187661FCB0E}"/>
-              </a:ext>
-            </a:extLst>
-          </p:cNvPr>
+          <p:cNvPr id="3" name="Footer Placeholder 2"/>
           <p:cNvSpPr>
             <a:spLocks noGrp="1"/>
           </p:cNvSpPr>
@@ -2113,13 +1847,7 @@
       </p:sp>
       <p:sp>
         <p:nvSpPr>
-          <p:cNvPr id="4" name="Slide Number Placeholder 3">
-            <a:extLst>
-              <a:ext uri="{FF2B5EF4-FFF2-40B4-BE49-F238E27FC236}">
-                <a16:creationId xmlns:a16="http://schemas.microsoft.com/office/drawing/2014/main" id="{9533A39A-3402-A946-9178-FFDBE3D17DF2}"/>
-              </a:ext>
-            </a:extLst>
-          </p:cNvPr>
+          <p:cNvPr id="4" name="Slide Number Placeholder 3"/>
           <p:cNvSpPr>
             <a:spLocks noGrp="1"/>
           </p:cNvSpPr>
@@ -2143,7 +1871,7 @@
     </p:spTree>
     <p:extLst>
       <p:ext uri="{BB962C8B-B14F-4D97-AF65-F5344CB8AC3E}">
-        <p14:creationId xmlns:p14="http://schemas.microsoft.com/office/powerpoint/2010/main" val="978116811"/>
+        <p14:creationId xmlns:p14="http://schemas.microsoft.com/office/powerpoint/2010/main" val="2207284342"/>
       </p:ext>
     </p:extLst>
   </p:cSld>
@@ -2172,13 +1900,7 @@
       </p:grpSpPr>
       <p:sp>
         <p:nvSpPr>
-          <p:cNvPr id="2" name="Title 1">
-            <a:extLst>
-              <a:ext uri="{FF2B5EF4-FFF2-40B4-BE49-F238E27FC236}">
-                <a16:creationId xmlns:a16="http://schemas.microsoft.com/office/drawing/2014/main" id="{D8A87B41-A7B0-484A-B12D-77830BE11BA8}"/>
-              </a:ext>
-            </a:extLst>
-          </p:cNvPr>
+          <p:cNvPr id="2" name="Title 1"/>
           <p:cNvSpPr>
             <a:spLocks noGrp="1"/>
           </p:cNvSpPr>
@@ -2188,8 +1910,8 @@
         </p:nvSpPr>
         <p:spPr>
           <a:xfrm>
-            <a:off x="839788" y="457200"/>
-            <a:ext cx="3932237" cy="1600200"/>
+            <a:off x="682328" y="457200"/>
+            <a:ext cx="3194943" cy="1600200"/>
           </a:xfrm>
         </p:spPr>
         <p:txBody>
@@ -2204,19 +1926,13 @@
               <a:rPr lang="en-US"/>
               <a:t>Click to edit Master title style</a:t>
             </a:r>
-            <a:endParaRPr lang="en-GB"/>
-          </a:p>
-        </p:txBody>
-      </p:sp>
-      <p:sp>
-        <p:nvSpPr>
-          <p:cNvPr id="3" name="Content Placeholder 2">
-            <a:extLst>
-              <a:ext uri="{FF2B5EF4-FFF2-40B4-BE49-F238E27FC236}">
-                <a16:creationId xmlns:a16="http://schemas.microsoft.com/office/drawing/2014/main" id="{45550D0B-7FA4-FD42-A801-92C53CEAAF04}"/>
-              </a:ext>
-            </a:extLst>
-          </p:cNvPr>
+            <a:endParaRPr lang="en-US" dirty="0"/>
+          </a:p>
+        </p:txBody>
+      </p:sp>
+      <p:sp>
+        <p:nvSpPr>
+          <p:cNvPr id="3" name="Content Placeholder 2"/>
           <p:cNvSpPr>
             <a:spLocks noGrp="1"/>
           </p:cNvSpPr>
@@ -2226,8 +1942,8 @@
         </p:nvSpPr>
         <p:spPr>
           <a:xfrm>
-            <a:off x="5183188" y="987425"/>
-            <a:ext cx="6172200" cy="4873625"/>
+            <a:off x="4211340" y="987427"/>
+            <a:ext cx="5014913" cy="4873625"/>
           </a:xfrm>
         </p:spPr>
         <p:txBody>
@@ -2295,19 +2011,13 @@
               <a:rPr lang="en-US"/>
               <a:t>Fifth level</a:t>
             </a:r>
-            <a:endParaRPr lang="en-GB"/>
-          </a:p>
-        </p:txBody>
-      </p:sp>
-      <p:sp>
-        <p:nvSpPr>
-          <p:cNvPr id="4" name="Text Placeholder 3">
-            <a:extLst>
-              <a:ext uri="{FF2B5EF4-FFF2-40B4-BE49-F238E27FC236}">
-                <a16:creationId xmlns:a16="http://schemas.microsoft.com/office/drawing/2014/main" id="{0FE416D7-C99B-A245-A976-3D1044E08B73}"/>
-              </a:ext>
-            </a:extLst>
-          </p:cNvPr>
+            <a:endParaRPr lang="en-US" dirty="0"/>
+          </a:p>
+        </p:txBody>
+      </p:sp>
+      <p:sp>
+        <p:nvSpPr>
+          <p:cNvPr id="4" name="Text Placeholder 3"/>
           <p:cNvSpPr>
             <a:spLocks noGrp="1"/>
           </p:cNvSpPr>
@@ -2317,8 +2027,8 @@
         </p:nvSpPr>
         <p:spPr>
           <a:xfrm>
-            <a:off x="839788" y="2057400"/>
-            <a:ext cx="3932237" cy="3811588"/>
+            <a:off x="682328" y="2057400"/>
+            <a:ext cx="3194943" cy="3811588"/>
           </a:xfrm>
         </p:spPr>
         <p:txBody>
@@ -2372,13 +2082,7 @@
       </p:sp>
       <p:sp>
         <p:nvSpPr>
-          <p:cNvPr id="5" name="Date Placeholder 4">
-            <a:extLst>
-              <a:ext uri="{FF2B5EF4-FFF2-40B4-BE49-F238E27FC236}">
-                <a16:creationId xmlns:a16="http://schemas.microsoft.com/office/drawing/2014/main" id="{FDBE74F8-8576-A040-BFC5-46BA549412AF}"/>
-              </a:ext>
-            </a:extLst>
-          </p:cNvPr>
+          <p:cNvPr id="5" name="Date Placeholder 4"/>
           <p:cNvSpPr>
             <a:spLocks noGrp="1"/>
           </p:cNvSpPr>
@@ -2393,7 +2097,7 @@
           <a:p>
             <a:fld id="{96051C5F-C14A-FF4D-B8DC-EE6A4E24CFE3}" type="datetimeFigureOut">
               <a:rPr lang="en-GB" smtClean="0"/>
-              <a:t>24/08/2019</a:t>
+              <a:t>27/08/2019</a:t>
             </a:fld>
             <a:endParaRPr lang="en-GB"/>
           </a:p>
@@ -2401,13 +2105,7 @@
       </p:sp>
       <p:sp>
         <p:nvSpPr>
-          <p:cNvPr id="6" name="Footer Placeholder 5">
-            <a:extLst>
-              <a:ext uri="{FF2B5EF4-FFF2-40B4-BE49-F238E27FC236}">
-                <a16:creationId xmlns:a16="http://schemas.microsoft.com/office/drawing/2014/main" id="{0731FAFC-B45F-7B4A-A55B-5BD634830DA5}"/>
-              </a:ext>
-            </a:extLst>
-          </p:cNvPr>
+          <p:cNvPr id="6" name="Footer Placeholder 5"/>
           <p:cNvSpPr>
             <a:spLocks noGrp="1"/>
           </p:cNvSpPr>
@@ -2426,13 +2124,7 @@
       </p:sp>
       <p:sp>
         <p:nvSpPr>
-          <p:cNvPr id="7" name="Slide Number Placeholder 6">
-            <a:extLst>
-              <a:ext uri="{FF2B5EF4-FFF2-40B4-BE49-F238E27FC236}">
-                <a16:creationId xmlns:a16="http://schemas.microsoft.com/office/drawing/2014/main" id="{7DC8DBD1-EFBF-A945-B027-4326806812F3}"/>
-              </a:ext>
-            </a:extLst>
-          </p:cNvPr>
+          <p:cNvPr id="7" name="Slide Number Placeholder 6"/>
           <p:cNvSpPr>
             <a:spLocks noGrp="1"/>
           </p:cNvSpPr>
@@ -2456,7 +2148,7 @@
     </p:spTree>
     <p:extLst>
       <p:ext uri="{BB962C8B-B14F-4D97-AF65-F5344CB8AC3E}">
-        <p14:creationId xmlns:p14="http://schemas.microsoft.com/office/powerpoint/2010/main" val="3563319643"/>
+        <p14:creationId xmlns:p14="http://schemas.microsoft.com/office/powerpoint/2010/main" val="2452770007"/>
       </p:ext>
     </p:extLst>
   </p:cSld>
@@ -2485,13 +2177,7 @@
       </p:grpSpPr>
       <p:sp>
         <p:nvSpPr>
-          <p:cNvPr id="2" name="Title 1">
-            <a:extLst>
-              <a:ext uri="{FF2B5EF4-FFF2-40B4-BE49-F238E27FC236}">
-                <a16:creationId xmlns:a16="http://schemas.microsoft.com/office/drawing/2014/main" id="{01750D29-8757-8146-B150-43DD89D09E20}"/>
-              </a:ext>
-            </a:extLst>
-          </p:cNvPr>
+          <p:cNvPr id="2" name="Title 1"/>
           <p:cNvSpPr>
             <a:spLocks noGrp="1"/>
           </p:cNvSpPr>
@@ -2501,8 +2187,8 @@
         </p:nvSpPr>
         <p:spPr>
           <a:xfrm>
-            <a:off x="839788" y="457200"/>
-            <a:ext cx="3932237" cy="1600200"/>
+            <a:off x="682328" y="457200"/>
+            <a:ext cx="3194943" cy="1600200"/>
           </a:xfrm>
         </p:spPr>
         <p:txBody>
@@ -2517,21 +2203,15 @@
               <a:rPr lang="en-US"/>
               <a:t>Click to edit Master title style</a:t>
             </a:r>
-            <a:endParaRPr lang="en-GB"/>
-          </a:p>
-        </p:txBody>
-      </p:sp>
-      <p:sp>
-        <p:nvSpPr>
-          <p:cNvPr id="3" name="Picture Placeholder 2">
-            <a:extLst>
-              <a:ext uri="{FF2B5EF4-FFF2-40B4-BE49-F238E27FC236}">
-                <a16:creationId xmlns:a16="http://schemas.microsoft.com/office/drawing/2014/main" id="{7402FBFF-EEBF-FA43-BA23-56015ED27BE5}"/>
-              </a:ext>
-            </a:extLst>
-          </p:cNvPr>
-          <p:cNvSpPr>
-            <a:spLocks noGrp="1"/>
+            <a:endParaRPr lang="en-US" dirty="0"/>
+          </a:p>
+        </p:txBody>
+      </p:sp>
+      <p:sp>
+        <p:nvSpPr>
+          <p:cNvPr id="3" name="Picture Placeholder 2"/>
+          <p:cNvSpPr>
+            <a:spLocks noGrp="1" noChangeAspect="1"/>
           </p:cNvSpPr>
           <p:nvPr>
             <p:ph type="pic" idx="1"/>
@@ -2539,12 +2219,12 @@
         </p:nvSpPr>
         <p:spPr>
           <a:xfrm>
-            <a:off x="5183188" y="987425"/>
-            <a:ext cx="6172200" cy="4873625"/>
-          </a:xfrm>
-        </p:spPr>
-        <p:txBody>
-          <a:bodyPr/>
+            <a:off x="4211340" y="987427"/>
+            <a:ext cx="5014913" cy="4873625"/>
+          </a:xfrm>
+        </p:spPr>
+        <p:txBody>
+          <a:bodyPr anchor="t"/>
           <a:lstStyle>
             <a:lvl1pPr marL="0" indent="0">
               <a:buNone/>
@@ -2584,19 +2264,17 @@
             </a:lvl9pPr>
           </a:lstStyle>
           <a:p>
-            <a:endParaRPr lang="en-GB"/>
-          </a:p>
-        </p:txBody>
-      </p:sp>
-      <p:sp>
-        <p:nvSpPr>
-          <p:cNvPr id="4" name="Text Placeholder 3">
-            <a:extLst>
-              <a:ext uri="{FF2B5EF4-FFF2-40B4-BE49-F238E27FC236}">
-                <a16:creationId xmlns:a16="http://schemas.microsoft.com/office/drawing/2014/main" id="{366E0F5B-9958-014C-8DEF-C29A8C75A203}"/>
-              </a:ext>
-            </a:extLst>
-          </p:cNvPr>
+            <a:r>
+              <a:rPr lang="en-US"/>
+              <a:t>Click icon to add picture</a:t>
+            </a:r>
+            <a:endParaRPr lang="en-US" dirty="0"/>
+          </a:p>
+        </p:txBody>
+      </p:sp>
+      <p:sp>
+        <p:nvSpPr>
+          <p:cNvPr id="4" name="Text Placeholder 3"/>
           <p:cNvSpPr>
             <a:spLocks noGrp="1"/>
           </p:cNvSpPr>
@@ -2606,8 +2284,8 @@
         </p:nvSpPr>
         <p:spPr>
           <a:xfrm>
-            <a:off x="839788" y="2057400"/>
-            <a:ext cx="3932237" cy="3811588"/>
+            <a:off x="682328" y="2057400"/>
+            <a:ext cx="3194943" cy="3811588"/>
           </a:xfrm>
         </p:spPr>
         <p:txBody>
@@ -2661,13 +2339,7 @@
       </p:sp>
       <p:sp>
         <p:nvSpPr>
-          <p:cNvPr id="5" name="Date Placeholder 4">
-            <a:extLst>
-              <a:ext uri="{FF2B5EF4-FFF2-40B4-BE49-F238E27FC236}">
-                <a16:creationId xmlns:a16="http://schemas.microsoft.com/office/drawing/2014/main" id="{F57E080C-0C4A-CF45-8F38-0D433C9316B7}"/>
-              </a:ext>
-            </a:extLst>
-          </p:cNvPr>
+          <p:cNvPr id="5" name="Date Placeholder 4"/>
           <p:cNvSpPr>
             <a:spLocks noGrp="1"/>
           </p:cNvSpPr>
@@ -2682,7 +2354,7 @@
           <a:p>
             <a:fld id="{96051C5F-C14A-FF4D-B8DC-EE6A4E24CFE3}" type="datetimeFigureOut">
               <a:rPr lang="en-GB" smtClean="0"/>
-              <a:t>24/08/2019</a:t>
+              <a:t>27/08/2019</a:t>
             </a:fld>
             <a:endParaRPr lang="en-GB"/>
           </a:p>
@@ -2690,13 +2362,7 @@
       </p:sp>
       <p:sp>
         <p:nvSpPr>
-          <p:cNvPr id="6" name="Footer Placeholder 5">
-            <a:extLst>
-              <a:ext uri="{FF2B5EF4-FFF2-40B4-BE49-F238E27FC236}">
-                <a16:creationId xmlns:a16="http://schemas.microsoft.com/office/drawing/2014/main" id="{C5905650-9137-184A-8697-9895CCF2370C}"/>
-              </a:ext>
-            </a:extLst>
-          </p:cNvPr>
+          <p:cNvPr id="6" name="Footer Placeholder 5"/>
           <p:cNvSpPr>
             <a:spLocks noGrp="1"/>
           </p:cNvSpPr>
@@ -2715,13 +2381,7 @@
       </p:sp>
       <p:sp>
         <p:nvSpPr>
-          <p:cNvPr id="7" name="Slide Number Placeholder 6">
-            <a:extLst>
-              <a:ext uri="{FF2B5EF4-FFF2-40B4-BE49-F238E27FC236}">
-                <a16:creationId xmlns:a16="http://schemas.microsoft.com/office/drawing/2014/main" id="{C6F5307E-9160-0846-9B66-E3396A90F37D}"/>
-              </a:ext>
-            </a:extLst>
-          </p:cNvPr>
+          <p:cNvPr id="7" name="Slide Number Placeholder 6"/>
           <p:cNvSpPr>
             <a:spLocks noGrp="1"/>
           </p:cNvSpPr>
@@ -2745,7 +2405,7 @@
     </p:spTree>
     <p:extLst>
       <p:ext uri="{BB962C8B-B14F-4D97-AF65-F5344CB8AC3E}">
-        <p14:creationId xmlns:p14="http://schemas.microsoft.com/office/powerpoint/2010/main" val="220889271"/>
+        <p14:creationId xmlns:p14="http://schemas.microsoft.com/office/powerpoint/2010/main" val="273342073"/>
       </p:ext>
     </p:extLst>
   </p:cSld>
@@ -2779,13 +2439,7 @@
       </p:grpSpPr>
       <p:sp>
         <p:nvSpPr>
-          <p:cNvPr id="2" name="Title Placeholder 1">
-            <a:extLst>
-              <a:ext uri="{FF2B5EF4-FFF2-40B4-BE49-F238E27FC236}">
-                <a16:creationId xmlns:a16="http://schemas.microsoft.com/office/drawing/2014/main" id="{F866C801-82D1-A545-9841-9F561759A7D9}"/>
-              </a:ext>
-            </a:extLst>
-          </p:cNvPr>
+          <p:cNvPr id="2" name="Title Placeholder 1"/>
           <p:cNvSpPr>
             <a:spLocks noGrp="1"/>
           </p:cNvSpPr>
@@ -2795,8 +2449,8 @@
         </p:nvSpPr>
         <p:spPr>
           <a:xfrm>
-            <a:off x="838200" y="365125"/>
-            <a:ext cx="10515600" cy="1325563"/>
+            <a:off x="681038" y="365127"/>
+            <a:ext cx="8543925" cy="1325563"/>
           </a:xfrm>
           <a:prstGeom prst="rect">
             <a:avLst/>
@@ -2812,19 +2466,13 @@
               <a:rPr lang="en-US"/>
               <a:t>Click to edit Master title style</a:t>
             </a:r>
-            <a:endParaRPr lang="en-GB"/>
-          </a:p>
-        </p:txBody>
-      </p:sp>
-      <p:sp>
-        <p:nvSpPr>
-          <p:cNvPr id="3" name="Text Placeholder 2">
-            <a:extLst>
-              <a:ext uri="{FF2B5EF4-FFF2-40B4-BE49-F238E27FC236}">
-                <a16:creationId xmlns:a16="http://schemas.microsoft.com/office/drawing/2014/main" id="{6D3C89C3-B786-564C-9AC4-91CCDBD885EF}"/>
-              </a:ext>
-            </a:extLst>
-          </p:cNvPr>
+            <a:endParaRPr lang="en-US" dirty="0"/>
+          </a:p>
+        </p:txBody>
+      </p:sp>
+      <p:sp>
+        <p:nvSpPr>
+          <p:cNvPr id="3" name="Text Placeholder 2"/>
           <p:cNvSpPr>
             <a:spLocks noGrp="1"/>
           </p:cNvSpPr>
@@ -2834,8 +2482,8 @@
         </p:nvSpPr>
         <p:spPr>
           <a:xfrm>
-            <a:off x="838200" y="1825625"/>
-            <a:ext cx="10515600" cy="4351338"/>
+            <a:off x="681038" y="1825625"/>
+            <a:ext cx="8543925" cy="4351338"/>
           </a:xfrm>
           <a:prstGeom prst="rect">
             <a:avLst/>
@@ -2880,19 +2528,13 @@
               <a:rPr lang="en-US"/>
               <a:t>Fifth level</a:t>
             </a:r>
-            <a:endParaRPr lang="en-GB"/>
-          </a:p>
-        </p:txBody>
-      </p:sp>
-      <p:sp>
-        <p:nvSpPr>
-          <p:cNvPr id="4" name="Date Placeholder 3">
-            <a:extLst>
-              <a:ext uri="{FF2B5EF4-FFF2-40B4-BE49-F238E27FC236}">
-                <a16:creationId xmlns:a16="http://schemas.microsoft.com/office/drawing/2014/main" id="{A8B3A5EF-72A1-BB42-AD45-BBCF0152F756}"/>
-              </a:ext>
-            </a:extLst>
-          </p:cNvPr>
+            <a:endParaRPr lang="en-US" dirty="0"/>
+          </a:p>
+        </p:txBody>
+      </p:sp>
+      <p:sp>
+        <p:nvSpPr>
+          <p:cNvPr id="4" name="Date Placeholder 3"/>
           <p:cNvSpPr>
             <a:spLocks noGrp="1"/>
           </p:cNvSpPr>
@@ -2902,8 +2544,8 @@
         </p:nvSpPr>
         <p:spPr>
           <a:xfrm>
-            <a:off x="838200" y="6356350"/>
-            <a:ext cx="2743200" cy="365125"/>
+            <a:off x="681038" y="6356352"/>
+            <a:ext cx="2228850" cy="365125"/>
           </a:xfrm>
           <a:prstGeom prst="rect">
             <a:avLst/>
@@ -2925,7 +2567,7 @@
           <a:p>
             <a:fld id="{96051C5F-C14A-FF4D-B8DC-EE6A4E24CFE3}" type="datetimeFigureOut">
               <a:rPr lang="en-GB" smtClean="0"/>
-              <a:t>24/08/2019</a:t>
+              <a:t>27/08/2019</a:t>
             </a:fld>
             <a:endParaRPr lang="en-GB"/>
           </a:p>
@@ -2933,13 +2575,7 @@
       </p:sp>
       <p:sp>
         <p:nvSpPr>
-          <p:cNvPr id="5" name="Footer Placeholder 4">
-            <a:extLst>
-              <a:ext uri="{FF2B5EF4-FFF2-40B4-BE49-F238E27FC236}">
-                <a16:creationId xmlns:a16="http://schemas.microsoft.com/office/drawing/2014/main" id="{9667B179-3C4E-2B4C-89A4-7A688D6D28B8}"/>
-              </a:ext>
-            </a:extLst>
-          </p:cNvPr>
+          <p:cNvPr id="5" name="Footer Placeholder 4"/>
           <p:cNvSpPr>
             <a:spLocks noGrp="1"/>
           </p:cNvSpPr>
@@ -2949,8 +2585,8 @@
         </p:nvSpPr>
         <p:spPr>
           <a:xfrm>
-            <a:off x="4038600" y="6356350"/>
-            <a:ext cx="4114800" cy="365125"/>
+            <a:off x="3281363" y="6356352"/>
+            <a:ext cx="3343275" cy="365125"/>
           </a:xfrm>
           <a:prstGeom prst="rect">
             <a:avLst/>
@@ -2976,13 +2612,7 @@
       </p:sp>
       <p:sp>
         <p:nvSpPr>
-          <p:cNvPr id="6" name="Slide Number Placeholder 5">
-            <a:extLst>
-              <a:ext uri="{FF2B5EF4-FFF2-40B4-BE49-F238E27FC236}">
-                <a16:creationId xmlns:a16="http://schemas.microsoft.com/office/drawing/2014/main" id="{A5182B61-023E-AE4B-8FBB-45DCC6CF06A6}"/>
-              </a:ext>
-            </a:extLst>
-          </p:cNvPr>
+          <p:cNvPr id="6" name="Slide Number Placeholder 5"/>
           <p:cNvSpPr>
             <a:spLocks noGrp="1"/>
           </p:cNvSpPr>
@@ -2992,8 +2622,8 @@
         </p:nvSpPr>
         <p:spPr>
           <a:xfrm>
-            <a:off x="8610600" y="6356350"/>
-            <a:ext cx="2743200" cy="365125"/>
+            <a:off x="6996113" y="6356352"/>
+            <a:ext cx="2228850" cy="365125"/>
           </a:xfrm>
           <a:prstGeom prst="rect">
             <a:avLst/>
@@ -3024,23 +2654,23 @@
     </p:spTree>
     <p:extLst>
       <p:ext uri="{BB962C8B-B14F-4D97-AF65-F5344CB8AC3E}">
-        <p14:creationId xmlns:p14="http://schemas.microsoft.com/office/powerpoint/2010/main" val="2390687071"/>
+        <p14:creationId xmlns:p14="http://schemas.microsoft.com/office/powerpoint/2010/main" val="2513957829"/>
       </p:ext>
     </p:extLst>
   </p:cSld>
   <p:clrMap bg1="lt1" tx1="dk1" bg2="lt2" tx2="dk2" accent1="accent1" accent2="accent2" accent3="accent3" accent4="accent4" accent5="accent5" accent6="accent6" hlink="hlink" folHlink="folHlink"/>
   <p:sldLayoutIdLst>
-    <p:sldLayoutId id="2147483649" r:id="rId1"/>
-    <p:sldLayoutId id="2147483650" r:id="rId2"/>
-    <p:sldLayoutId id="2147483651" r:id="rId3"/>
-    <p:sldLayoutId id="2147483652" r:id="rId4"/>
-    <p:sldLayoutId id="2147483653" r:id="rId5"/>
-    <p:sldLayoutId id="2147483654" r:id="rId6"/>
-    <p:sldLayoutId id="2147483655" r:id="rId7"/>
-    <p:sldLayoutId id="2147483656" r:id="rId8"/>
-    <p:sldLayoutId id="2147483657" r:id="rId9"/>
-    <p:sldLayoutId id="2147483658" r:id="rId10"/>
-    <p:sldLayoutId id="2147483659" r:id="rId11"/>
+    <p:sldLayoutId id="2147483661" r:id="rId1"/>
+    <p:sldLayoutId id="2147483662" r:id="rId2"/>
+    <p:sldLayoutId id="2147483663" r:id="rId3"/>
+    <p:sldLayoutId id="2147483664" r:id="rId4"/>
+    <p:sldLayoutId id="2147483665" r:id="rId5"/>
+    <p:sldLayoutId id="2147483666" r:id="rId6"/>
+    <p:sldLayoutId id="2147483667" r:id="rId7"/>
+    <p:sldLayoutId id="2147483668" r:id="rId8"/>
+    <p:sldLayoutId id="2147483669" r:id="rId9"/>
+    <p:sldLayoutId id="2147483670" r:id="rId10"/>
+    <p:sldLayoutId id="2147483671" r:id="rId11"/>
   </p:sldLayoutIdLst>
   <p:txStyles>
     <p:titleStyle>
@@ -3364,8 +2994,8 @@
         </p:blipFill>
         <p:spPr>
           <a:xfrm>
-            <a:off x="6845394" y="902473"/>
-            <a:ext cx="2834640" cy="5053054"/>
+            <a:off x="5561883" y="1376197"/>
+            <a:ext cx="2303145" cy="4105606"/>
           </a:xfrm>
           <a:prstGeom prst="rect">
             <a:avLst/>
@@ -3392,8 +3022,8 @@
         </p:blipFill>
         <p:spPr>
           <a:xfrm>
-            <a:off x="3321770" y="902473"/>
-            <a:ext cx="2834640" cy="5053054"/>
+            <a:off x="2698938" y="1376197"/>
+            <a:ext cx="2303145" cy="4105606"/>
           </a:xfrm>
           <a:prstGeom prst="rect">
             <a:avLst/>
@@ -3414,8 +3044,8 @@
         </p:nvSpPr>
         <p:spPr>
           <a:xfrm>
-            <a:off x="2893324" y="1009935"/>
-            <a:ext cx="327545" cy="523220"/>
+            <a:off x="2350826" y="1463510"/>
+            <a:ext cx="266130" cy="442429"/>
           </a:xfrm>
           <a:prstGeom prst="rect">
             <a:avLst/>
@@ -3429,7 +3059,7 @@
           <a:lstStyle/>
           <a:p>
             <a:r>
-              <a:rPr lang="en-GB" sz="2800" b="1" dirty="0"/>
+              <a:rPr lang="en-GB" sz="2275" b="1" dirty="0"/>
               <a:t>A</a:t>
             </a:r>
           </a:p>
@@ -3449,8 +3079,8 @@
         </p:nvSpPr>
         <p:spPr>
           <a:xfrm>
-            <a:off x="6421083" y="1009935"/>
-            <a:ext cx="409433" cy="523220"/>
+            <a:off x="5217131" y="1463510"/>
+            <a:ext cx="332664" cy="442429"/>
           </a:xfrm>
           <a:prstGeom prst="rect">
             <a:avLst/>
@@ -3464,7 +3094,7 @@
           <a:lstStyle/>
           <a:p>
             <a:r>
-              <a:rPr lang="en-GB" sz="2800" b="1" dirty="0"/>
+              <a:rPr lang="en-GB" sz="2275" b="1" dirty="0"/>
               <a:t>B</a:t>
             </a:r>
           </a:p>
@@ -3483,10 +3113,646 @@
 </p:sld>
 </file>
 
+<file path=ppt/slides/slide2.xml><?xml version="1.0" encoding="utf-8"?>
+<p:sld xmlns:a="http://schemas.openxmlformats.org/drawingml/2006/main" xmlns:r="http://schemas.openxmlformats.org/officeDocument/2006/relationships" xmlns:p="http://schemas.openxmlformats.org/presentationml/2006/main">
+  <p:cSld>
+    <p:spTree>
+      <p:nvGrpSpPr>
+        <p:cNvPr id="1" name=""/>
+        <p:cNvGrpSpPr/>
+        <p:nvPr/>
+      </p:nvGrpSpPr>
+      <p:grpSpPr>
+        <a:xfrm>
+          <a:off x="0" y="0"/>
+          <a:ext cx="0" cy="0"/>
+          <a:chOff x="0" y="0"/>
+          <a:chExt cx="0" cy="0"/>
+        </a:xfrm>
+      </p:grpSpPr>
+      <p:pic>
+        <p:nvPicPr>
+          <p:cNvPr id="5" name="Picture 4">
+            <a:extLst>
+              <a:ext uri="{FF2B5EF4-FFF2-40B4-BE49-F238E27FC236}">
+                <a16:creationId xmlns:a16="http://schemas.microsoft.com/office/drawing/2014/main" id="{360D19A4-2722-0242-BD23-7EA370498B3E}"/>
+              </a:ext>
+            </a:extLst>
+          </p:cNvPr>
+          <p:cNvPicPr>
+            <a:picLocks noChangeAspect="1"/>
+          </p:cNvPicPr>
+          <p:nvPr/>
+        </p:nvPicPr>
+        <p:blipFill>
+          <a:blip r:embed="rId2"/>
+          <a:stretch>
+            <a:fillRect/>
+          </a:stretch>
+        </p:blipFill>
+        <p:spPr>
+          <a:xfrm>
+            <a:off x="1423204" y="230103"/>
+            <a:ext cx="1977843" cy="1798348"/>
+          </a:xfrm>
+          <a:prstGeom prst="rect">
+            <a:avLst/>
+          </a:prstGeom>
+        </p:spPr>
+      </p:pic>
+      <p:sp>
+        <p:nvSpPr>
+          <p:cNvPr id="6" name="TextBox 5">
+            <a:extLst>
+              <a:ext uri="{FF2B5EF4-FFF2-40B4-BE49-F238E27FC236}">
+                <a16:creationId xmlns:a16="http://schemas.microsoft.com/office/drawing/2014/main" id="{58B82C77-EC77-584A-97E3-F888137AD534}"/>
+              </a:ext>
+            </a:extLst>
+          </p:cNvPr>
+          <p:cNvSpPr txBox="1"/>
+          <p:nvPr/>
+        </p:nvSpPr>
+        <p:spPr>
+          <a:xfrm>
+            <a:off x="1280044" y="230103"/>
+            <a:ext cx="839004" cy="317459"/>
+          </a:xfrm>
+          <a:prstGeom prst="rect">
+            <a:avLst/>
+          </a:prstGeom>
+          <a:noFill/>
+        </p:spPr>
+        <p:txBody>
+          <a:bodyPr wrap="square" rtlCol="0">
+            <a:spAutoFit/>
+          </a:bodyPr>
+          <a:lstStyle/>
+          <a:p>
+            <a:r>
+              <a:rPr lang="en-GB" sz="1463" b="1" dirty="0">
+                <a:latin typeface="Helvetica" pitchFamily="2" charset="0"/>
+              </a:rPr>
+              <a:t>Café</a:t>
+            </a:r>
+          </a:p>
+        </p:txBody>
+      </p:sp>
+      <p:pic>
+        <p:nvPicPr>
+          <p:cNvPr id="8" name="Picture 7">
+            <a:extLst>
+              <a:ext uri="{FF2B5EF4-FFF2-40B4-BE49-F238E27FC236}">
+                <a16:creationId xmlns:a16="http://schemas.microsoft.com/office/drawing/2014/main" id="{8C45BAD0-ADC6-0A47-841F-3389E4267C2F}"/>
+              </a:ext>
+            </a:extLst>
+          </p:cNvPr>
+          <p:cNvPicPr>
+            <a:picLocks noChangeAspect="1"/>
+          </p:cNvPicPr>
+          <p:nvPr/>
+        </p:nvPicPr>
+        <p:blipFill>
+          <a:blip r:embed="rId3"/>
+          <a:stretch>
+            <a:fillRect/>
+          </a:stretch>
+        </p:blipFill>
+        <p:spPr>
+          <a:xfrm>
+            <a:off x="3396701" y="230103"/>
+            <a:ext cx="1977844" cy="1798348"/>
+          </a:xfrm>
+          <a:prstGeom prst="rect">
+            <a:avLst/>
+          </a:prstGeom>
+        </p:spPr>
+      </p:pic>
+      <p:pic>
+        <p:nvPicPr>
+          <p:cNvPr id="10" name="Picture 9">
+            <a:extLst>
+              <a:ext uri="{FF2B5EF4-FFF2-40B4-BE49-F238E27FC236}">
+                <a16:creationId xmlns:a16="http://schemas.microsoft.com/office/drawing/2014/main" id="{4B8A24B0-E9E4-2244-BC1F-2F073CEFB090}"/>
+              </a:ext>
+            </a:extLst>
+          </p:cNvPr>
+          <p:cNvPicPr>
+            <a:picLocks noChangeAspect="1"/>
+          </p:cNvPicPr>
+          <p:nvPr/>
+        </p:nvPicPr>
+        <p:blipFill>
+          <a:blip r:embed="rId4"/>
+          <a:stretch>
+            <a:fillRect/>
+          </a:stretch>
+        </p:blipFill>
+        <p:spPr>
+          <a:xfrm>
+            <a:off x="5374543" y="230103"/>
+            <a:ext cx="1977843" cy="1798347"/>
+          </a:xfrm>
+          <a:prstGeom prst="rect">
+            <a:avLst/>
+          </a:prstGeom>
+        </p:spPr>
+      </p:pic>
+      <p:pic>
+        <p:nvPicPr>
+          <p:cNvPr id="12" name="Picture 11">
+            <a:extLst>
+              <a:ext uri="{FF2B5EF4-FFF2-40B4-BE49-F238E27FC236}">
+                <a16:creationId xmlns:a16="http://schemas.microsoft.com/office/drawing/2014/main" id="{E71A5644-CEE2-9344-AA32-C50C0A912EED}"/>
+              </a:ext>
+            </a:extLst>
+          </p:cNvPr>
+          <p:cNvPicPr>
+            <a:picLocks noChangeAspect="1"/>
+          </p:cNvPicPr>
+          <p:nvPr/>
+        </p:nvPicPr>
+        <p:blipFill>
+          <a:blip r:embed="rId5"/>
+          <a:stretch>
+            <a:fillRect/>
+          </a:stretch>
+        </p:blipFill>
+        <p:spPr>
+          <a:xfrm>
+            <a:off x="1423204" y="2028450"/>
+            <a:ext cx="1977843" cy="1798347"/>
+          </a:xfrm>
+          <a:prstGeom prst="rect">
+            <a:avLst/>
+          </a:prstGeom>
+        </p:spPr>
+      </p:pic>
+      <p:pic>
+        <p:nvPicPr>
+          <p:cNvPr id="14" name="Picture 13">
+            <a:extLst>
+              <a:ext uri="{FF2B5EF4-FFF2-40B4-BE49-F238E27FC236}">
+                <a16:creationId xmlns:a16="http://schemas.microsoft.com/office/drawing/2014/main" id="{0476F035-B3CD-1F4F-A734-B84C2EDA6BE1}"/>
+              </a:ext>
+            </a:extLst>
+          </p:cNvPr>
+          <p:cNvPicPr>
+            <a:picLocks noChangeAspect="1"/>
+          </p:cNvPicPr>
+          <p:nvPr/>
+        </p:nvPicPr>
+        <p:blipFill>
+          <a:blip r:embed="rId6"/>
+          <a:stretch>
+            <a:fillRect/>
+          </a:stretch>
+        </p:blipFill>
+        <p:spPr>
+          <a:xfrm>
+            <a:off x="3396701" y="2027098"/>
+            <a:ext cx="1977842" cy="1798346"/>
+          </a:xfrm>
+          <a:prstGeom prst="rect">
+            <a:avLst/>
+          </a:prstGeom>
+        </p:spPr>
+      </p:pic>
+      <p:pic>
+        <p:nvPicPr>
+          <p:cNvPr id="16" name="Picture 15">
+            <a:extLst>
+              <a:ext uri="{FF2B5EF4-FFF2-40B4-BE49-F238E27FC236}">
+                <a16:creationId xmlns:a16="http://schemas.microsoft.com/office/drawing/2014/main" id="{EF6D3890-E815-C442-B3FF-930E5E5F14F4}"/>
+              </a:ext>
+            </a:extLst>
+          </p:cNvPr>
+          <p:cNvPicPr>
+            <a:picLocks noChangeAspect="1"/>
+          </p:cNvPicPr>
+          <p:nvPr/>
+        </p:nvPicPr>
+        <p:blipFill>
+          <a:blip r:embed="rId7"/>
+          <a:stretch>
+            <a:fillRect/>
+          </a:stretch>
+        </p:blipFill>
+        <p:spPr>
+          <a:xfrm>
+            <a:off x="5331546" y="2028449"/>
+            <a:ext cx="1977842" cy="1798346"/>
+          </a:xfrm>
+          <a:prstGeom prst="rect">
+            <a:avLst/>
+          </a:prstGeom>
+        </p:spPr>
+      </p:pic>
+      <p:pic>
+        <p:nvPicPr>
+          <p:cNvPr id="18" name="Picture 17">
+            <a:extLst>
+              <a:ext uri="{FF2B5EF4-FFF2-40B4-BE49-F238E27FC236}">
+                <a16:creationId xmlns:a16="http://schemas.microsoft.com/office/drawing/2014/main" id="{3D0F7B69-3C9C-254B-97E2-29E2E447DF1B}"/>
+              </a:ext>
+            </a:extLst>
+          </p:cNvPr>
+          <p:cNvPicPr>
+            <a:picLocks noChangeAspect="1"/>
+          </p:cNvPicPr>
+          <p:nvPr/>
+        </p:nvPicPr>
+        <p:blipFill>
+          <a:blip r:embed="rId8"/>
+          <a:stretch>
+            <a:fillRect/>
+          </a:stretch>
+        </p:blipFill>
+        <p:spPr>
+          <a:xfrm>
+            <a:off x="1421032" y="3775014"/>
+            <a:ext cx="1977842" cy="1798346"/>
+          </a:xfrm>
+          <a:prstGeom prst="rect">
+            <a:avLst/>
+          </a:prstGeom>
+        </p:spPr>
+      </p:pic>
+      <p:pic>
+        <p:nvPicPr>
+          <p:cNvPr id="20" name="Picture 19">
+            <a:extLst>
+              <a:ext uri="{FF2B5EF4-FFF2-40B4-BE49-F238E27FC236}">
+                <a16:creationId xmlns:a16="http://schemas.microsoft.com/office/drawing/2014/main" id="{2DAEE53B-7CDC-C140-9B00-553B62E551CF}"/>
+              </a:ext>
+            </a:extLst>
+          </p:cNvPr>
+          <p:cNvPicPr>
+            <a:picLocks noChangeAspect="1"/>
+          </p:cNvPicPr>
+          <p:nvPr/>
+        </p:nvPicPr>
+        <p:blipFill>
+          <a:blip r:embed="rId9"/>
+          <a:stretch>
+            <a:fillRect/>
+          </a:stretch>
+        </p:blipFill>
+        <p:spPr>
+          <a:xfrm>
+            <a:off x="3374059" y="3780659"/>
+            <a:ext cx="1977842" cy="1798346"/>
+          </a:xfrm>
+          <a:prstGeom prst="rect">
+            <a:avLst/>
+          </a:prstGeom>
+        </p:spPr>
+      </p:pic>
+      <p:pic>
+        <p:nvPicPr>
+          <p:cNvPr id="22" name="Picture 21">
+            <a:extLst>
+              <a:ext uri="{FF2B5EF4-FFF2-40B4-BE49-F238E27FC236}">
+                <a16:creationId xmlns:a16="http://schemas.microsoft.com/office/drawing/2014/main" id="{32DE6F81-C8BE-7448-AF7C-33E39135609D}"/>
+              </a:ext>
+            </a:extLst>
+          </p:cNvPr>
+          <p:cNvPicPr>
+            <a:picLocks noChangeAspect="1"/>
+          </p:cNvPicPr>
+          <p:nvPr/>
+        </p:nvPicPr>
+        <p:blipFill>
+          <a:blip r:embed="rId10"/>
+          <a:stretch>
+            <a:fillRect/>
+          </a:stretch>
+        </p:blipFill>
+        <p:spPr>
+          <a:xfrm>
+            <a:off x="5374543" y="3786304"/>
+            <a:ext cx="1977842" cy="1798346"/>
+          </a:xfrm>
+          <a:prstGeom prst="rect">
+            <a:avLst/>
+          </a:prstGeom>
+        </p:spPr>
+      </p:pic>
+      <p:sp>
+        <p:nvSpPr>
+          <p:cNvPr id="23" name="TextBox 22">
+            <a:extLst>
+              <a:ext uri="{FF2B5EF4-FFF2-40B4-BE49-F238E27FC236}">
+                <a16:creationId xmlns:a16="http://schemas.microsoft.com/office/drawing/2014/main" id="{266115E9-01A4-C443-A1AE-AADBD8EE8B6E}"/>
+              </a:ext>
+            </a:extLst>
+          </p:cNvPr>
+          <p:cNvSpPr txBox="1"/>
+          <p:nvPr/>
+        </p:nvSpPr>
+        <p:spPr>
+          <a:xfrm>
+            <a:off x="5104225" y="2091694"/>
+            <a:ext cx="839004" cy="307777"/>
+          </a:xfrm>
+          <a:prstGeom prst="rect">
+            <a:avLst/>
+          </a:prstGeom>
+          <a:noFill/>
+        </p:spPr>
+        <p:txBody>
+          <a:bodyPr wrap="square" rtlCol="0">
+            <a:spAutoFit/>
+          </a:bodyPr>
+          <a:lstStyle/>
+          <a:p>
+            <a:r>
+              <a:rPr lang="en-GB" sz="1400" b="1" dirty="0">
+                <a:latin typeface="Helvetica" pitchFamily="2" charset="0"/>
+              </a:rPr>
+              <a:t>Pick up</a:t>
+            </a:r>
+          </a:p>
+        </p:txBody>
+      </p:sp>
+      <p:sp>
+        <p:nvSpPr>
+          <p:cNvPr id="24" name="TextBox 23">
+            <a:extLst>
+              <a:ext uri="{FF2B5EF4-FFF2-40B4-BE49-F238E27FC236}">
+                <a16:creationId xmlns:a16="http://schemas.microsoft.com/office/drawing/2014/main" id="{EB6D8EA2-682E-1A46-B07E-2A5888B67FA2}"/>
+              </a:ext>
+            </a:extLst>
+          </p:cNvPr>
+          <p:cNvSpPr txBox="1"/>
+          <p:nvPr/>
+        </p:nvSpPr>
+        <p:spPr>
+          <a:xfrm>
+            <a:off x="5168764" y="280533"/>
+            <a:ext cx="839004" cy="317459"/>
+          </a:xfrm>
+          <a:prstGeom prst="rect">
+            <a:avLst/>
+          </a:prstGeom>
+          <a:noFill/>
+        </p:spPr>
+        <p:txBody>
+          <a:bodyPr wrap="square" rtlCol="0">
+            <a:spAutoFit/>
+          </a:bodyPr>
+          <a:lstStyle/>
+          <a:p>
+            <a:r>
+              <a:rPr lang="en-GB" sz="1463" b="1" dirty="0">
+                <a:latin typeface="Helvetica" pitchFamily="2" charset="0"/>
+              </a:rPr>
+              <a:t>Health</a:t>
+            </a:r>
+          </a:p>
+        </p:txBody>
+      </p:sp>
+      <p:sp>
+        <p:nvSpPr>
+          <p:cNvPr id="25" name="TextBox 24">
+            <a:extLst>
+              <a:ext uri="{FF2B5EF4-FFF2-40B4-BE49-F238E27FC236}">
+                <a16:creationId xmlns:a16="http://schemas.microsoft.com/office/drawing/2014/main" id="{1845DBC7-BF6A-C147-85F6-DB942F94489E}"/>
+              </a:ext>
+            </a:extLst>
+          </p:cNvPr>
+          <p:cNvSpPr txBox="1"/>
+          <p:nvPr/>
+        </p:nvSpPr>
+        <p:spPr>
+          <a:xfrm>
+            <a:off x="3182980" y="2024817"/>
+            <a:ext cx="839004" cy="317459"/>
+          </a:xfrm>
+          <a:prstGeom prst="rect">
+            <a:avLst/>
+          </a:prstGeom>
+          <a:noFill/>
+        </p:spPr>
+        <p:txBody>
+          <a:bodyPr wrap="square" rtlCol="0">
+            <a:spAutoFit/>
+          </a:bodyPr>
+          <a:lstStyle/>
+          <a:p>
+            <a:r>
+              <a:rPr lang="en-GB" sz="1463" b="1" dirty="0">
+                <a:latin typeface="Helvetica" pitchFamily="2" charset="0"/>
+              </a:rPr>
+              <a:t>Other</a:t>
+            </a:r>
+          </a:p>
+        </p:txBody>
+      </p:sp>
+      <p:sp>
+        <p:nvSpPr>
+          <p:cNvPr id="26" name="TextBox 25">
+            <a:extLst>
+              <a:ext uri="{FF2B5EF4-FFF2-40B4-BE49-F238E27FC236}">
+                <a16:creationId xmlns:a16="http://schemas.microsoft.com/office/drawing/2014/main" id="{A5C8FC0E-792C-3745-B289-88185D827BFD}"/>
+              </a:ext>
+            </a:extLst>
+          </p:cNvPr>
+          <p:cNvSpPr txBox="1"/>
+          <p:nvPr/>
+        </p:nvSpPr>
+        <p:spPr>
+          <a:xfrm>
+            <a:off x="1165342" y="2039482"/>
+            <a:ext cx="839004" cy="307777"/>
+          </a:xfrm>
+          <a:prstGeom prst="rect">
+            <a:avLst/>
+          </a:prstGeom>
+          <a:noFill/>
+        </p:spPr>
+        <p:txBody>
+          <a:bodyPr wrap="square" rtlCol="0">
+            <a:spAutoFit/>
+          </a:bodyPr>
+          <a:lstStyle/>
+          <a:p>
+            <a:r>
+              <a:rPr lang="en-GB" sz="1400" b="1" dirty="0">
+                <a:latin typeface="Helvetica" pitchFamily="2" charset="0"/>
+              </a:rPr>
+              <a:t>Leisure</a:t>
+            </a:r>
+            <a:endParaRPr lang="en-GB" sz="1463" b="1" dirty="0">
+              <a:latin typeface="Helvetica" pitchFamily="2" charset="0"/>
+            </a:endParaRPr>
+          </a:p>
+        </p:txBody>
+      </p:sp>
+      <p:sp>
+        <p:nvSpPr>
+          <p:cNvPr id="27" name="TextBox 26">
+            <a:extLst>
+              <a:ext uri="{FF2B5EF4-FFF2-40B4-BE49-F238E27FC236}">
+                <a16:creationId xmlns:a16="http://schemas.microsoft.com/office/drawing/2014/main" id="{31A649FB-1E0A-F040-BE2E-A954F7D5C94E}"/>
+              </a:ext>
+            </a:extLst>
+          </p:cNvPr>
+          <p:cNvSpPr txBox="1"/>
+          <p:nvPr/>
+        </p:nvSpPr>
+        <p:spPr>
+          <a:xfrm>
+            <a:off x="1165342" y="3828148"/>
+            <a:ext cx="839004" cy="317459"/>
+          </a:xfrm>
+          <a:prstGeom prst="rect">
+            <a:avLst/>
+          </a:prstGeom>
+          <a:noFill/>
+        </p:spPr>
+        <p:txBody>
+          <a:bodyPr wrap="square" rtlCol="0">
+            <a:spAutoFit/>
+          </a:bodyPr>
+          <a:lstStyle/>
+          <a:p>
+            <a:r>
+              <a:rPr lang="en-GB" sz="1463" b="1" dirty="0">
+                <a:latin typeface="Helvetica" pitchFamily="2" charset="0"/>
+              </a:rPr>
+              <a:t>Home</a:t>
+            </a:r>
+          </a:p>
+        </p:txBody>
+      </p:sp>
+      <p:sp>
+        <p:nvSpPr>
+          <p:cNvPr id="28" name="TextBox 27">
+            <a:extLst>
+              <a:ext uri="{FF2B5EF4-FFF2-40B4-BE49-F238E27FC236}">
+                <a16:creationId xmlns:a16="http://schemas.microsoft.com/office/drawing/2014/main" id="{E10853D7-161D-4B4E-9081-26FCA6EBE7EA}"/>
+              </a:ext>
+            </a:extLst>
+          </p:cNvPr>
+          <p:cNvSpPr txBox="1"/>
+          <p:nvPr/>
+        </p:nvSpPr>
+        <p:spPr>
+          <a:xfrm>
+            <a:off x="3182980" y="3832441"/>
+            <a:ext cx="839004" cy="317459"/>
+          </a:xfrm>
+          <a:prstGeom prst="rect">
+            <a:avLst/>
+          </a:prstGeom>
+          <a:noFill/>
+        </p:spPr>
+        <p:txBody>
+          <a:bodyPr wrap="square" rtlCol="0">
+            <a:spAutoFit/>
+          </a:bodyPr>
+          <a:lstStyle/>
+          <a:p>
+            <a:r>
+              <a:rPr lang="en-GB" sz="1463" b="1" dirty="0">
+                <a:latin typeface="Helvetica" pitchFamily="2" charset="0"/>
+              </a:rPr>
+              <a:t>Shops</a:t>
+            </a:r>
+          </a:p>
+        </p:txBody>
+      </p:sp>
+      <p:sp>
+        <p:nvSpPr>
+          <p:cNvPr id="29" name="TextBox 28">
+            <a:extLst>
+              <a:ext uri="{FF2B5EF4-FFF2-40B4-BE49-F238E27FC236}">
+                <a16:creationId xmlns:a16="http://schemas.microsoft.com/office/drawing/2014/main" id="{2876E59F-20E8-A347-ACD4-DBAA691E0CAF}"/>
+              </a:ext>
+            </a:extLst>
+          </p:cNvPr>
+          <p:cNvSpPr txBox="1"/>
+          <p:nvPr/>
+        </p:nvSpPr>
+        <p:spPr>
+          <a:xfrm>
+            <a:off x="5160822" y="3832440"/>
+            <a:ext cx="839004" cy="317459"/>
+          </a:xfrm>
+          <a:prstGeom prst="rect">
+            <a:avLst/>
+          </a:prstGeom>
+          <a:noFill/>
+        </p:spPr>
+        <p:txBody>
+          <a:bodyPr wrap="square" rtlCol="0">
+            <a:spAutoFit/>
+          </a:bodyPr>
+          <a:lstStyle/>
+          <a:p>
+            <a:r>
+              <a:rPr lang="en-GB" sz="1463" b="1" dirty="0">
+                <a:latin typeface="Helvetica" pitchFamily="2" charset="0"/>
+              </a:rPr>
+              <a:t>Work</a:t>
+            </a:r>
+          </a:p>
+        </p:txBody>
+      </p:sp>
+      <p:sp>
+        <p:nvSpPr>
+          <p:cNvPr id="30" name="TextBox 29">
+            <a:extLst>
+              <a:ext uri="{FF2B5EF4-FFF2-40B4-BE49-F238E27FC236}">
+                <a16:creationId xmlns:a16="http://schemas.microsoft.com/office/drawing/2014/main" id="{769D2D06-3146-AD42-959E-A62C3C1FB3FD}"/>
+              </a:ext>
+            </a:extLst>
+          </p:cNvPr>
+          <p:cNvSpPr txBox="1"/>
+          <p:nvPr/>
+        </p:nvSpPr>
+        <p:spPr>
+          <a:xfrm>
+            <a:off x="3000450" y="278254"/>
+            <a:ext cx="1105994" cy="307777"/>
+          </a:xfrm>
+          <a:prstGeom prst="rect">
+            <a:avLst/>
+          </a:prstGeom>
+          <a:noFill/>
+        </p:spPr>
+        <p:txBody>
+          <a:bodyPr wrap="square" rtlCol="0">
+            <a:spAutoFit/>
+          </a:bodyPr>
+          <a:lstStyle/>
+          <a:p>
+            <a:r>
+              <a:rPr lang="en-GB" sz="1400" b="1" dirty="0">
+                <a:latin typeface="Helvetica" pitchFamily="2" charset="0"/>
+              </a:rPr>
+              <a:t>Education</a:t>
+            </a:r>
+          </a:p>
+        </p:txBody>
+      </p:sp>
+    </p:spTree>
+    <p:extLst>
+      <p:ext uri="{BB962C8B-B14F-4D97-AF65-F5344CB8AC3E}">
+        <p14:creationId xmlns:p14="http://schemas.microsoft.com/office/powerpoint/2010/main" val="3227999671"/>
+      </p:ext>
+    </p:extLst>
+  </p:cSld>
+  <p:clrMapOvr>
+    <a:masterClrMapping/>
+  </p:clrMapOvr>
+</p:sld>
+</file>
+
 <file path=ppt/theme/theme1.xml><?xml version="1.0" encoding="utf-8"?>
 <a:theme xmlns:a="http://schemas.openxmlformats.org/drawingml/2006/main" name="Office Theme">
   <a:themeElements>
-    <a:clrScheme name="Office">
+    <a:clrScheme name="Office Theme">
       <a:dk1>
         <a:sysClr val="windowText" lastClr="000000"/>
       </a:dk1>
@@ -3524,7 +3790,7 @@
         <a:srgbClr val="954F72"/>
       </a:folHlink>
     </a:clrScheme>
-    <a:fontScheme name="Office">
+    <a:fontScheme name="Office Theme">
       <a:majorFont>
         <a:latin typeface="Calibri Light" panose="020F0302020204030204"/>
         <a:ea typeface=""/>
@@ -3559,23 +3825,6 @@
         <a:font script="Viet" typeface="Times New Roman"/>
         <a:font script="Uigh" typeface="Microsoft Uighur"/>
         <a:font script="Geor" typeface="Sylfaen"/>
-        <a:font script="Armn" typeface="Arial"/>
-        <a:font script="Bugi" typeface="Leelawadee UI"/>
-        <a:font script="Bopo" typeface="Microsoft JhengHei"/>
-        <a:font script="Java" typeface="Javanese Text"/>
-        <a:font script="Lisu" typeface="Segoe UI"/>
-        <a:font script="Mymr" typeface="Myanmar Text"/>
-        <a:font script="Nkoo" typeface="Ebrima"/>
-        <a:font script="Olck" typeface="Nirmala UI"/>
-        <a:font script="Osma" typeface="Ebrima"/>
-        <a:font script="Phag" typeface="Phagspa"/>
-        <a:font script="Syrn" typeface="Estrangelo Edessa"/>
-        <a:font script="Syrj" typeface="Estrangelo Edessa"/>
-        <a:font script="Syre" typeface="Estrangelo Edessa"/>
-        <a:font script="Sora" typeface="Nirmala UI"/>
-        <a:font script="Tale" typeface="Microsoft Tai Le"/>
-        <a:font script="Talu" typeface="Microsoft New Tai Lue"/>
-        <a:font script="Tfng" typeface="Ebrima"/>
       </a:majorFont>
       <a:minorFont>
         <a:latin typeface="Calibri" panose="020F0502020204030204"/>
@@ -3611,26 +3860,9 @@
         <a:font script="Viet" typeface="Arial"/>
         <a:font script="Uigh" typeface="Microsoft Uighur"/>
         <a:font script="Geor" typeface="Sylfaen"/>
-        <a:font script="Armn" typeface="Arial"/>
-        <a:font script="Bugi" typeface="Leelawadee UI"/>
-        <a:font script="Bopo" typeface="Microsoft JhengHei"/>
-        <a:font script="Java" typeface="Javanese Text"/>
-        <a:font script="Lisu" typeface="Segoe UI"/>
-        <a:font script="Mymr" typeface="Myanmar Text"/>
-        <a:font script="Nkoo" typeface="Ebrima"/>
-        <a:font script="Olck" typeface="Nirmala UI"/>
-        <a:font script="Osma" typeface="Ebrima"/>
-        <a:font script="Phag" typeface="Phagspa"/>
-        <a:font script="Syrn" typeface="Estrangelo Edessa"/>
-        <a:font script="Syrj" typeface="Estrangelo Edessa"/>
-        <a:font script="Syre" typeface="Estrangelo Edessa"/>
-        <a:font script="Sora" typeface="Nirmala UI"/>
-        <a:font script="Tale" typeface="Microsoft Tai Le"/>
-        <a:font script="Talu" typeface="Microsoft New Tai Lue"/>
-        <a:font script="Tfng" typeface="Ebrima"/>
       </a:minorFont>
     </a:fontScheme>
-    <a:fmtScheme name="Office">
+    <a:fmtScheme name="Office Theme">
       <a:fillStyleLst>
         <a:solidFill>
           <a:schemeClr val="phClr"/>

--- a/write_up/other_figures/figure_creation.pptx
+++ b/write_up/other_figures/figure_creation.pptx
@@ -7,6 +7,7 @@
   <p:sldIdLst>
     <p:sldId id="256" r:id="rId2"/>
     <p:sldId id="257" r:id="rId3"/>
+    <p:sldId id="258" r:id="rId4"/>
   </p:sldIdLst>
   <p:sldSz cx="9906000" cy="6858000" type="A4"/>
   <p:notesSz cx="6858000" cy="9144000"/>
@@ -3749,6 +3750,186 @@
 </p:sld>
 </file>
 
+<file path=ppt/slides/slide3.xml><?xml version="1.0" encoding="utf-8"?>
+<p:sld xmlns:a="http://schemas.openxmlformats.org/drawingml/2006/main" xmlns:r="http://schemas.openxmlformats.org/officeDocument/2006/relationships" xmlns:p="http://schemas.openxmlformats.org/presentationml/2006/main">
+  <p:cSld>
+    <p:spTree>
+      <p:nvGrpSpPr>
+        <p:cNvPr id="1" name=""/>
+        <p:cNvGrpSpPr/>
+        <p:nvPr/>
+      </p:nvGrpSpPr>
+      <p:grpSpPr>
+        <a:xfrm>
+          <a:off x="0" y="0"/>
+          <a:ext cx="0" cy="0"/>
+          <a:chOff x="0" y="0"/>
+          <a:chExt cx="0" cy="0"/>
+        </a:xfrm>
+      </p:grpSpPr>
+      <p:pic>
+        <p:nvPicPr>
+          <p:cNvPr id="25" name="Picture 24">
+            <a:extLst>
+              <a:ext uri="{FF2B5EF4-FFF2-40B4-BE49-F238E27FC236}">
+                <a16:creationId xmlns:a16="http://schemas.microsoft.com/office/drawing/2014/main" id="{874528CF-9229-4540-8C62-B2314FEC5C4E}"/>
+              </a:ext>
+            </a:extLst>
+          </p:cNvPr>
+          <p:cNvPicPr>
+            <a:picLocks noChangeAspect="1"/>
+          </p:cNvPicPr>
+          <p:nvPr/>
+        </p:nvPicPr>
+        <p:blipFill>
+          <a:blip r:embed="rId2"/>
+          <a:stretch>
+            <a:fillRect/>
+          </a:stretch>
+        </p:blipFill>
+        <p:spPr>
+          <a:xfrm>
+            <a:off x="2717800" y="-365161"/>
+            <a:ext cx="4835600" cy="1595908"/>
+          </a:xfrm>
+          <a:prstGeom prst="rect">
+            <a:avLst/>
+          </a:prstGeom>
+        </p:spPr>
+      </p:pic>
+      <p:pic>
+        <p:nvPicPr>
+          <p:cNvPr id="27" name="Picture 26">
+            <a:extLst>
+              <a:ext uri="{FF2B5EF4-FFF2-40B4-BE49-F238E27FC236}">
+                <a16:creationId xmlns:a16="http://schemas.microsoft.com/office/drawing/2014/main" id="{8FAC0EDB-E48B-F244-B3BB-592A10C47D9E}"/>
+              </a:ext>
+            </a:extLst>
+          </p:cNvPr>
+          <p:cNvPicPr>
+            <a:picLocks noChangeAspect="1"/>
+          </p:cNvPicPr>
+          <p:nvPr/>
+        </p:nvPicPr>
+        <p:blipFill>
+          <a:blip r:embed="rId3"/>
+          <a:stretch>
+            <a:fillRect/>
+          </a:stretch>
+        </p:blipFill>
+        <p:spPr>
+          <a:xfrm>
+            <a:off x="2717800" y="1347365"/>
+            <a:ext cx="4835600" cy="1595908"/>
+          </a:xfrm>
+          <a:prstGeom prst="rect">
+            <a:avLst/>
+          </a:prstGeom>
+        </p:spPr>
+      </p:pic>
+      <p:pic>
+        <p:nvPicPr>
+          <p:cNvPr id="29" name="Picture 28">
+            <a:extLst>
+              <a:ext uri="{FF2B5EF4-FFF2-40B4-BE49-F238E27FC236}">
+                <a16:creationId xmlns:a16="http://schemas.microsoft.com/office/drawing/2014/main" id="{3975A019-60CF-B34B-ADB5-09AE97A79B86}"/>
+              </a:ext>
+            </a:extLst>
+          </p:cNvPr>
+          <p:cNvPicPr>
+            <a:picLocks noChangeAspect="1"/>
+          </p:cNvPicPr>
+          <p:nvPr/>
+        </p:nvPicPr>
+        <p:blipFill>
+          <a:blip r:embed="rId4"/>
+          <a:stretch>
+            <a:fillRect/>
+          </a:stretch>
+        </p:blipFill>
+        <p:spPr>
+          <a:xfrm>
+            <a:off x="2717800" y="2892301"/>
+            <a:ext cx="4835600" cy="1595908"/>
+          </a:xfrm>
+          <a:prstGeom prst="rect">
+            <a:avLst/>
+          </a:prstGeom>
+        </p:spPr>
+      </p:pic>
+      <p:pic>
+        <p:nvPicPr>
+          <p:cNvPr id="31" name="Picture 30">
+            <a:extLst>
+              <a:ext uri="{FF2B5EF4-FFF2-40B4-BE49-F238E27FC236}">
+                <a16:creationId xmlns:a16="http://schemas.microsoft.com/office/drawing/2014/main" id="{6F11347A-DEA8-C64D-A782-6A4849C5B1F6}"/>
+              </a:ext>
+            </a:extLst>
+          </p:cNvPr>
+          <p:cNvPicPr>
+            <a:picLocks noChangeAspect="1"/>
+          </p:cNvPicPr>
+          <p:nvPr/>
+        </p:nvPicPr>
+        <p:blipFill>
+          <a:blip r:embed="rId5"/>
+          <a:stretch>
+            <a:fillRect/>
+          </a:stretch>
+        </p:blipFill>
+        <p:spPr>
+          <a:xfrm>
+            <a:off x="2717800" y="4464138"/>
+            <a:ext cx="4835600" cy="1595908"/>
+          </a:xfrm>
+          <a:prstGeom prst="rect">
+            <a:avLst/>
+          </a:prstGeom>
+        </p:spPr>
+      </p:pic>
+      <p:pic>
+        <p:nvPicPr>
+          <p:cNvPr id="33" name="Picture 32">
+            <a:extLst>
+              <a:ext uri="{FF2B5EF4-FFF2-40B4-BE49-F238E27FC236}">
+                <a16:creationId xmlns:a16="http://schemas.microsoft.com/office/drawing/2014/main" id="{4EF630E6-8642-E241-9542-3DD8A1A8E662}"/>
+              </a:ext>
+            </a:extLst>
+          </p:cNvPr>
+          <p:cNvPicPr>
+            <a:picLocks noChangeAspect="1"/>
+          </p:cNvPicPr>
+          <p:nvPr/>
+        </p:nvPicPr>
+        <p:blipFill>
+          <a:blip r:embed="rId6"/>
+          <a:stretch>
+            <a:fillRect/>
+          </a:stretch>
+        </p:blipFill>
+        <p:spPr>
+          <a:xfrm>
+            <a:off x="2717800" y="6060046"/>
+            <a:ext cx="4835600" cy="1595908"/>
+          </a:xfrm>
+          <a:prstGeom prst="rect">
+            <a:avLst/>
+          </a:prstGeom>
+        </p:spPr>
+      </p:pic>
+    </p:spTree>
+    <p:extLst>
+      <p:ext uri="{BB962C8B-B14F-4D97-AF65-F5344CB8AC3E}">
+        <p14:creationId xmlns:p14="http://schemas.microsoft.com/office/powerpoint/2010/main" val="795634480"/>
+      </p:ext>
+    </p:extLst>
+  </p:cSld>
+  <p:clrMapOvr>
+    <a:masterClrMapping/>
+  </p:clrMapOvr>
+</p:sld>
+</file>
+
 <file path=ppt/theme/theme1.xml><?xml version="1.0" encoding="utf-8"?>
 <a:theme xmlns:a="http://schemas.openxmlformats.org/drawingml/2006/main" name="Office Theme">
   <a:themeElements>
